--- a/Paper_Presentation_pdf/presentation/ECE 590_Team 3_Presentation_final.pptx
+++ b/Paper_Presentation_pdf/presentation/ECE 590_Team 3_Presentation_final.pptx
@@ -7,9 +7,12 @@
   <p:sldIdLst>
     <p:sldId id="256" r:id="rId2"/>
     <p:sldId id="257" r:id="rId3"/>
-    <p:sldId id="258" r:id="rId4"/>
-    <p:sldId id="260" r:id="rId5"/>
-    <p:sldId id="259" r:id="rId6"/>
+    <p:sldId id="261" r:id="rId4"/>
+    <p:sldId id="262" r:id="rId5"/>
+    <p:sldId id="264" r:id="rId6"/>
+    <p:sldId id="258" r:id="rId7"/>
+    <p:sldId id="260" r:id="rId8"/>
+    <p:sldId id="259" r:id="rId9"/>
   </p:sldIdLst>
   <p:sldSz cx="9144000" cy="6858000" type="screen4x3"/>
   <p:notesSz cx="6858000" cy="9144000"/>
@@ -3129,7 +3132,6 @@
               <a:rPr lang="en-US" dirty="0"/>
               <a:t> Using Internal Patch Recurrence</a:t>
             </a:r>
-            <a:endParaRPr lang="en-US" dirty="0"/>
           </a:p>
         </p:txBody>
       </p:sp>
@@ -3191,7 +3193,6 @@
               <a:rPr lang="en-US" dirty="0"/>
               <a:t> Huang</a:t>
             </a:r>
-            <a:endParaRPr lang="en-US" dirty="0"/>
           </a:p>
         </p:txBody>
       </p:sp>
@@ -3241,8 +3242,8 @@
           <a:lstStyle/>
           <a:p>
             <a:r>
-              <a:rPr lang="en-US" dirty="0" err="1" smtClean="0"/>
-              <a:t>Michaeli的算法</a:t>
+              <a:rPr lang="en-US" dirty="0"/>
+              <a:t>Internal Patch Recurrence </a:t>
             </a:r>
             <a:endParaRPr lang="en-US" dirty="0"/>
           </a:p>
@@ -3258,15 +3259,155 @@
             <p:ph idx="1"/>
           </p:nvPr>
         </p:nvSpPr>
-        <p:spPr/>
-        <p:txBody>
-          <a:bodyPr/>
-          <a:lstStyle/>
-          <a:p>
-            <a:endParaRPr lang="en-US"/>
-          </a:p>
-        </p:txBody>
-      </p:sp>
+        <p:spPr>
+          <a:xfrm>
+            <a:off x="457200" y="1396360"/>
+            <a:ext cx="8229600" cy="4525963"/>
+          </a:xfrm>
+        </p:spPr>
+        <p:txBody>
+          <a:bodyPr/>
+          <a:lstStyle/>
+          <a:p>
+            <a:r>
+              <a:rPr lang="en-US" dirty="0" smtClean="0"/>
+              <a:t>Patch </a:t>
+            </a:r>
+            <a:r>
+              <a:rPr lang="en-US" dirty="0"/>
+              <a:t>recurrence across scales in a sharp </a:t>
+            </a:r>
+            <a:r>
+              <a:rPr lang="en-US" dirty="0" smtClean="0"/>
+              <a:t>image</a:t>
+            </a:r>
+          </a:p>
+          <a:p>
+            <a:endParaRPr lang="en-US" dirty="0"/>
+          </a:p>
+          <a:p>
+            <a:endParaRPr lang="en-US" dirty="0"/>
+          </a:p>
+          <a:p>
+            <a:r>
+              <a:rPr lang="en-US" dirty="0"/>
+              <a:t>In</a:t>
+            </a:r>
+            <a:r>
+              <a:rPr lang="zh-CN" altLang="en-US" dirty="0"/>
+              <a:t> </a:t>
+            </a:r>
+            <a:r>
+              <a:rPr lang="en-US" altLang="zh-CN" dirty="0"/>
+              <a:t>a</a:t>
+            </a:r>
+            <a:r>
+              <a:rPr lang="zh-CN" altLang="en-US" dirty="0"/>
+              <a:t> </a:t>
+            </a:r>
+            <a:r>
+              <a:rPr lang="en-US" altLang="zh-CN" dirty="0"/>
+              <a:t>blurry</a:t>
+            </a:r>
+            <a:r>
+              <a:rPr lang="zh-CN" altLang="en-US" dirty="0"/>
+              <a:t> </a:t>
+            </a:r>
+            <a:r>
+              <a:rPr lang="en-US" altLang="zh-CN" dirty="0"/>
+              <a:t>image,</a:t>
+            </a:r>
+            <a:r>
+              <a:rPr lang="zh-CN" altLang="en-US" dirty="0"/>
+              <a:t> </a:t>
+            </a:r>
+            <a:r>
+              <a:rPr lang="en-US" altLang="zh-CN" dirty="0"/>
+              <a:t>cross-</a:t>
+            </a:r>
+            <a:r>
+              <a:rPr lang="en-US" altLang="zh-CN" dirty="0" smtClean="0"/>
+              <a:t>scale</a:t>
+            </a:r>
+            <a:r>
+              <a:rPr lang="zh-CN" altLang="en-US" dirty="0" smtClean="0"/>
+              <a:t> </a:t>
+            </a:r>
+            <a:r>
+              <a:rPr lang="en-US" altLang="zh-CN" dirty="0" smtClean="0"/>
+              <a:t>patch</a:t>
+            </a:r>
+            <a:r>
+              <a:rPr lang="zh-CN" altLang="en-US" dirty="0" smtClean="0"/>
+              <a:t> </a:t>
+            </a:r>
+            <a:r>
+              <a:rPr lang="en-US" altLang="zh-CN" dirty="0" smtClean="0"/>
+              <a:t>recurrence</a:t>
+            </a:r>
+            <a:r>
+              <a:rPr lang="zh-CN" altLang="en-US" dirty="0" smtClean="0"/>
+              <a:t> </a:t>
+            </a:r>
+            <a:r>
+              <a:rPr lang="en-US" altLang="zh-CN" dirty="0" err="1" smtClean="0"/>
+              <a:t>deminishes</a:t>
+            </a:r>
+            <a:endParaRPr lang="en-US" altLang="zh-CN" dirty="0"/>
+          </a:p>
+          <a:p>
+            <a:endParaRPr lang="en-US" dirty="0"/>
+          </a:p>
+        </p:txBody>
+      </p:sp>
+      <p:pic>
+        <p:nvPicPr>
+          <p:cNvPr id="4" name="Picture 3"/>
+          <p:cNvPicPr>
+            <a:picLocks noChangeAspect="1"/>
+          </p:cNvPicPr>
+          <p:nvPr/>
+        </p:nvPicPr>
+        <p:blipFill>
+          <a:blip r:embed="rId2"/>
+          <a:stretch>
+            <a:fillRect/>
+          </a:stretch>
+        </p:blipFill>
+        <p:spPr>
+          <a:xfrm>
+            <a:off x="830917" y="1938700"/>
+            <a:ext cx="6177001" cy="1794077"/>
+          </a:xfrm>
+          <a:prstGeom prst="rect">
+            <a:avLst/>
+          </a:prstGeom>
+        </p:spPr>
+      </p:pic>
+      <p:pic>
+        <p:nvPicPr>
+          <p:cNvPr id="5" name="Picture 4"/>
+          <p:cNvPicPr>
+            <a:picLocks noChangeAspect="1"/>
+          </p:cNvPicPr>
+          <p:nvPr/>
+        </p:nvPicPr>
+        <p:blipFill>
+          <a:blip r:embed="rId3"/>
+          <a:stretch>
+            <a:fillRect/>
+          </a:stretch>
+        </p:blipFill>
+        <p:spPr>
+          <a:xfrm>
+            <a:off x="830917" y="4667005"/>
+            <a:ext cx="6177001" cy="1784724"/>
+          </a:xfrm>
+          <a:prstGeom prst="rect">
+            <a:avLst/>
+          </a:prstGeom>
+        </p:spPr>
+      </p:pic>
     </p:spTree>
     <p:extLst>
       <p:ext uri="{BB962C8B-B14F-4D97-AF65-F5344CB8AC3E}">
@@ -3309,12 +3450,50 @@
         </p:nvSpPr>
         <p:spPr/>
         <p:txBody>
-          <a:bodyPr/>
-          <a:lstStyle/>
-          <a:p>
-            <a:r>
-              <a:rPr lang="en-US" dirty="0" err="1" smtClean="0"/>
-              <a:t>epll的比较</a:t>
+          <a:bodyPr>
+            <a:normAutofit/>
+          </a:bodyPr>
+          <a:lstStyle/>
+          <a:p>
+            <a:r>
+              <a:rPr lang="en-US" dirty="0" smtClean="0"/>
+              <a:t>T</a:t>
+            </a:r>
+            <a:r>
+              <a:rPr lang="en-US" altLang="zh-CN" dirty="0" smtClean="0"/>
+              <a:t>.</a:t>
+            </a:r>
+            <a:r>
+              <a:rPr lang="en-US" dirty="0" smtClean="0"/>
+              <a:t> </a:t>
+            </a:r>
+            <a:r>
+              <a:rPr lang="en-US" dirty="0" err="1"/>
+              <a:t>Michaeli</a:t>
+            </a:r>
+            <a:r>
+              <a:rPr lang="en-US" dirty="0"/>
+              <a:t> and </a:t>
+            </a:r>
+            <a:r>
+              <a:rPr lang="en-US" dirty="0" smtClean="0"/>
+              <a:t>M</a:t>
+            </a:r>
+            <a:r>
+              <a:rPr lang="en-US" altLang="zh-CN" dirty="0" smtClean="0"/>
+              <a:t>.</a:t>
+            </a:r>
+            <a:r>
+              <a:rPr lang="en-US" dirty="0" smtClean="0"/>
+              <a:t> </a:t>
+            </a:r>
+            <a:r>
+              <a:rPr lang="en-US" dirty="0" err="1"/>
+              <a:t>Irani</a:t>
+            </a:r>
+            <a:r>
+              <a:rPr lang="en-US" dirty="0"/>
+              <a:t> </a:t>
             </a:r>
             <a:endParaRPr lang="en-US" dirty="0"/>
           </a:p>
@@ -3330,19 +3509,99 @@
             <p:ph idx="1"/>
           </p:nvPr>
         </p:nvSpPr>
-        <p:spPr/>
-        <p:txBody>
-          <a:bodyPr/>
-          <a:lstStyle/>
-          <a:p>
-            <a:endParaRPr lang="en-US"/>
-          </a:p>
-        </p:txBody>
-      </p:sp>
+        <p:spPr>
+          <a:xfrm>
+            <a:off x="457200" y="1474760"/>
+            <a:ext cx="8229600" cy="4525963"/>
+          </a:xfrm>
+        </p:spPr>
+        <p:txBody>
+          <a:bodyPr/>
+          <a:lstStyle/>
+          <a:p>
+            <a:r>
+              <a:rPr lang="en-US" dirty="0"/>
+              <a:t>Step 1: </a:t>
+            </a:r>
+            <a:r>
+              <a:rPr lang="en-US" dirty="0" smtClean="0"/>
+              <a:t>Down</a:t>
+            </a:r>
+            <a:r>
+              <a:rPr lang="zh-CN" altLang="en-US" dirty="0" smtClean="0"/>
+              <a:t> </a:t>
+            </a:r>
+            <a:r>
+              <a:rPr lang="en-US" altLang="zh-CN" dirty="0" smtClean="0"/>
+              <a:t>scale</a:t>
+            </a:r>
+            <a:r>
+              <a:rPr lang="zh-CN" altLang="en-US" dirty="0" smtClean="0"/>
+              <a:t> </a:t>
+            </a:r>
+            <a:r>
+              <a:rPr lang="en-US" dirty="0" smtClean="0"/>
+              <a:t>Find</a:t>
+            </a:r>
+            <a:r>
+              <a:rPr lang="zh-CN" altLang="en-US" dirty="0" smtClean="0"/>
+              <a:t> </a:t>
+            </a:r>
+            <a:r>
+              <a:rPr lang="en-US" altLang="zh-CN" dirty="0" smtClean="0"/>
+              <a:t>nearest</a:t>
+            </a:r>
+            <a:r>
+              <a:rPr lang="zh-CN" altLang="en-US" dirty="0" smtClean="0"/>
+              <a:t> </a:t>
+            </a:r>
+            <a:r>
+              <a:rPr lang="en-US" altLang="zh-CN" dirty="0" smtClean="0"/>
+              <a:t>neighbor</a:t>
+            </a:r>
+            <a:r>
+              <a:rPr lang="zh-CN" altLang="en-US" dirty="0" smtClean="0"/>
+              <a:t> </a:t>
+            </a:r>
+            <a:r>
+              <a:rPr lang="en-US" altLang="zh-CN" dirty="0" smtClean="0"/>
+              <a:t>(NNs)</a:t>
+            </a:r>
+            <a:endParaRPr lang="en-US" dirty="0" smtClean="0"/>
+          </a:p>
+          <a:p>
+            <a:endParaRPr lang="en-US" dirty="0"/>
+          </a:p>
+        </p:txBody>
+      </p:sp>
+      <p:pic>
+        <p:nvPicPr>
+          <p:cNvPr id="4" name="Picture 3"/>
+          <p:cNvPicPr>
+            <a:picLocks noChangeAspect="1"/>
+          </p:cNvPicPr>
+          <p:nvPr/>
+        </p:nvPicPr>
+        <p:blipFill>
+          <a:blip r:embed="rId2"/>
+          <a:stretch>
+            <a:fillRect/>
+          </a:stretch>
+        </p:blipFill>
+        <p:spPr>
+          <a:xfrm>
+            <a:off x="752528" y="2642776"/>
+            <a:ext cx="7164694" cy="3483387"/>
+          </a:xfrm>
+          <a:prstGeom prst="rect">
+            <a:avLst/>
+          </a:prstGeom>
+        </p:spPr>
+      </p:pic>
     </p:spTree>
     <p:extLst>
       <p:ext uri="{BB962C8B-B14F-4D97-AF65-F5344CB8AC3E}">
-        <p14:creationId xmlns:p14="http://schemas.microsoft.com/office/powerpoint/2010/main" val="3267890354"/>
+        <p14:creationId xmlns:p14="http://schemas.microsoft.com/office/powerpoint/2010/main" val="1611253665"/>
       </p:ext>
     </p:extLst>
   </p:cSld>
@@ -3381,6 +3640,479 @@
         </p:nvSpPr>
         <p:spPr/>
         <p:txBody>
+          <a:bodyPr>
+            <a:normAutofit/>
+          </a:bodyPr>
+          <a:lstStyle/>
+          <a:p>
+            <a:r>
+              <a:rPr lang="en-US" dirty="0"/>
+              <a:t>T</a:t>
+            </a:r>
+            <a:r>
+              <a:rPr lang="en-US" altLang="zh-CN" dirty="0"/>
+              <a:t>.</a:t>
+            </a:r>
+            <a:r>
+              <a:rPr lang="en-US" dirty="0"/>
+              <a:t> </a:t>
+            </a:r>
+            <a:r>
+              <a:rPr lang="en-US" dirty="0" err="1"/>
+              <a:t>Michaeli</a:t>
+            </a:r>
+            <a:r>
+              <a:rPr lang="en-US" dirty="0"/>
+              <a:t> and M</a:t>
+            </a:r>
+            <a:r>
+              <a:rPr lang="en-US" altLang="zh-CN" dirty="0"/>
+              <a:t>.</a:t>
+            </a:r>
+            <a:r>
+              <a:rPr lang="en-US" dirty="0"/>
+              <a:t> </a:t>
+            </a:r>
+            <a:r>
+              <a:rPr lang="en-US" dirty="0" err="1"/>
+              <a:t>Irani</a:t>
+            </a:r>
+            <a:r>
+              <a:rPr lang="en-US" dirty="0"/>
+              <a:t> </a:t>
+            </a:r>
+          </a:p>
+        </p:txBody>
+      </p:sp>
+      <p:sp>
+        <p:nvSpPr>
+          <p:cNvPr id="3" name="Content Placeholder 2"/>
+          <p:cNvSpPr>
+            <a:spLocks noGrp="1"/>
+          </p:cNvSpPr>
+          <p:nvPr>
+            <p:ph idx="1"/>
+          </p:nvPr>
+        </p:nvSpPr>
+        <p:spPr>
+          <a:xfrm>
+            <a:off x="457200" y="1417638"/>
+            <a:ext cx="8229600" cy="4525963"/>
+          </a:xfrm>
+        </p:spPr>
+        <p:txBody>
+          <a:bodyPr/>
+          <a:lstStyle/>
+          <a:p>
+            <a:r>
+              <a:rPr lang="en-US" dirty="0" smtClean="0"/>
+              <a:t>Step </a:t>
+            </a:r>
+            <a:r>
+              <a:rPr lang="en-US" dirty="0"/>
+              <a:t>2: </a:t>
+            </a:r>
+            <a:r>
+              <a:rPr lang="en-US" dirty="0" err="1"/>
+              <a:t>Deblurring</a:t>
+            </a:r>
+            <a:r>
+              <a:rPr lang="en-US" dirty="0"/>
+              <a:t> Using Internal Patch Recurrence </a:t>
+            </a:r>
+            <a:endParaRPr lang="en-US" dirty="0"/>
+          </a:p>
+          <a:p>
+            <a:endParaRPr lang="en-US" altLang="zh-CN" dirty="0" smtClean="0"/>
+          </a:p>
+          <a:p>
+            <a:endParaRPr lang="en-US" altLang="zh-CN" dirty="0"/>
+          </a:p>
+          <a:p>
+            <a:r>
+              <a:rPr lang="en-US" dirty="0"/>
+              <a:t>Step 3: Kernel Update </a:t>
+            </a:r>
+          </a:p>
+          <a:p>
+            <a:endParaRPr lang="en-US" altLang="zh-CN" dirty="0"/>
+          </a:p>
+        </p:txBody>
+      </p:sp>
+      <p:pic>
+        <p:nvPicPr>
+          <p:cNvPr id="4" name="Picture 3"/>
+          <p:cNvPicPr>
+            <a:picLocks noChangeAspect="1"/>
+          </p:cNvPicPr>
+          <p:nvPr/>
+        </p:nvPicPr>
+        <p:blipFill>
+          <a:blip r:embed="rId2"/>
+          <a:stretch>
+            <a:fillRect/>
+          </a:stretch>
+        </p:blipFill>
+        <p:spPr>
+          <a:xfrm>
+            <a:off x="2171700" y="2641600"/>
+            <a:ext cx="4787900" cy="787400"/>
+          </a:xfrm>
+          <a:prstGeom prst="rect">
+            <a:avLst/>
+          </a:prstGeom>
+        </p:spPr>
+      </p:pic>
+      <p:pic>
+        <p:nvPicPr>
+          <p:cNvPr id="5" name="Picture 4"/>
+          <p:cNvPicPr>
+            <a:picLocks noChangeAspect="1"/>
+          </p:cNvPicPr>
+          <p:nvPr/>
+        </p:nvPicPr>
+        <p:blipFill>
+          <a:blip r:embed="rId3"/>
+          <a:stretch>
+            <a:fillRect/>
+          </a:stretch>
+        </p:blipFill>
+        <p:spPr>
+          <a:xfrm>
+            <a:off x="2171700" y="4406299"/>
+            <a:ext cx="4368800" cy="850900"/>
+          </a:xfrm>
+          <a:prstGeom prst="rect">
+            <a:avLst/>
+          </a:prstGeom>
+        </p:spPr>
+      </p:pic>
+    </p:spTree>
+    <p:extLst>
+      <p:ext uri="{BB962C8B-B14F-4D97-AF65-F5344CB8AC3E}">
+        <p14:creationId xmlns:p14="http://schemas.microsoft.com/office/powerpoint/2010/main" val="3839353624"/>
+      </p:ext>
+    </p:extLst>
+  </p:cSld>
+  <p:clrMapOvr>
+    <a:masterClrMapping/>
+  </p:clrMapOvr>
+</p:sld>
+</file>
+
+<file path=ppt/slides/slide5.xml><?xml version="1.0" encoding="utf-8"?>
+<p:sld xmlns:a="http://schemas.openxmlformats.org/drawingml/2006/main" xmlns:r="http://schemas.openxmlformats.org/officeDocument/2006/relationships" xmlns:p="http://schemas.openxmlformats.org/presentationml/2006/main">
+  <p:cSld>
+    <p:spTree>
+      <p:nvGrpSpPr>
+        <p:cNvPr id="1" name=""/>
+        <p:cNvGrpSpPr/>
+        <p:nvPr/>
+      </p:nvGrpSpPr>
+      <p:grpSpPr>
+        <a:xfrm>
+          <a:off x="0" y="0"/>
+          <a:ext cx="0" cy="0"/>
+          <a:chOff x="0" y="0"/>
+          <a:chExt cx="0" cy="0"/>
+        </a:xfrm>
+      </p:grpSpPr>
+      <p:sp>
+        <p:nvSpPr>
+          <p:cNvPr id="2" name="Title 1"/>
+          <p:cNvSpPr>
+            <a:spLocks noGrp="1"/>
+          </p:cNvSpPr>
+          <p:nvPr>
+            <p:ph type="title"/>
+          </p:nvPr>
+        </p:nvSpPr>
+        <p:spPr/>
+        <p:txBody>
+          <a:bodyPr>
+            <a:normAutofit/>
+          </a:bodyPr>
+          <a:lstStyle/>
+          <a:p>
+            <a:r>
+              <a:rPr lang="en-US" dirty="0" smtClean="0"/>
+              <a:t>D</a:t>
+            </a:r>
+            <a:r>
+              <a:rPr lang="en-US" altLang="zh-CN" dirty="0" smtClean="0"/>
+              <a:t>.</a:t>
+            </a:r>
+            <a:r>
+              <a:rPr lang="en-US" dirty="0"/>
+              <a:t> </a:t>
+            </a:r>
+            <a:r>
+              <a:rPr lang="en-US" dirty="0" err="1" smtClean="0"/>
+              <a:t>Zoran</a:t>
+            </a:r>
+            <a:r>
+              <a:rPr lang="zh-CN" altLang="en-US" dirty="0"/>
+              <a:t> </a:t>
+            </a:r>
+            <a:r>
+              <a:rPr lang="en-US" altLang="zh-CN" dirty="0" smtClean="0"/>
+              <a:t>and</a:t>
+            </a:r>
+            <a:r>
+              <a:rPr lang="zh-CN" altLang="en-US" dirty="0" smtClean="0"/>
+              <a:t> </a:t>
+            </a:r>
+            <a:r>
+              <a:rPr lang="en-US" altLang="zh-CN" dirty="0" smtClean="0"/>
+              <a:t>Y.</a:t>
+            </a:r>
+            <a:r>
+              <a:rPr lang="en-US" dirty="0"/>
+              <a:t> </a:t>
+            </a:r>
+            <a:r>
+              <a:rPr lang="en-US" dirty="0" smtClean="0"/>
+              <a:t>Weiss</a:t>
+            </a:r>
+            <a:endParaRPr lang="en-US" dirty="0"/>
+          </a:p>
+        </p:txBody>
+      </p:sp>
+      <p:sp>
+        <p:nvSpPr>
+          <p:cNvPr id="3" name="Content Placeholder 2"/>
+          <p:cNvSpPr>
+            <a:spLocks noGrp="1"/>
+          </p:cNvSpPr>
+          <p:nvPr>
+            <p:ph idx="1"/>
+          </p:nvPr>
+        </p:nvSpPr>
+        <p:spPr>
+          <a:xfrm>
+            <a:off x="457200" y="1230231"/>
+            <a:ext cx="8229600" cy="4525963"/>
+          </a:xfrm>
+        </p:spPr>
+        <p:txBody>
+          <a:bodyPr/>
+          <a:lstStyle/>
+          <a:p>
+            <a:r>
+              <a:rPr lang="en-US" dirty="0"/>
+              <a:t>Learn Prior</a:t>
+            </a:r>
+          </a:p>
+          <a:p>
+            <a:endParaRPr lang="en-US" dirty="0" smtClean="0"/>
+          </a:p>
+          <a:p>
+            <a:pPr marL="0" indent="0">
+              <a:buNone/>
+            </a:pPr>
+            <a:endParaRPr lang="en-US" dirty="0"/>
+          </a:p>
+          <a:p>
+            <a:pPr marL="0" indent="0">
+              <a:buNone/>
+            </a:pPr>
+            <a:endParaRPr lang="en-US" dirty="0"/>
+          </a:p>
+          <a:p>
+            <a:r>
+              <a:rPr lang="en-US" dirty="0"/>
+              <a:t>Restore image by maximizing </a:t>
+            </a:r>
+            <a:r>
+              <a:rPr lang="en-US" dirty="0"/>
+              <a:t>Expected Patch Log </a:t>
+            </a:r>
+            <a:r>
+              <a:rPr lang="en-US" dirty="0" smtClean="0"/>
+              <a:t>Likelihood</a:t>
+            </a:r>
+            <a:r>
+              <a:rPr lang="zh-CN" altLang="en-US" dirty="0" smtClean="0"/>
+              <a:t> </a:t>
+            </a:r>
+            <a:r>
+              <a:rPr lang="en-US" altLang="zh-CN" dirty="0" smtClean="0"/>
+              <a:t>(</a:t>
+            </a:r>
+            <a:r>
+              <a:rPr lang="en-US" dirty="0" smtClean="0"/>
+              <a:t>EPLL</a:t>
+            </a:r>
+            <a:r>
+              <a:rPr lang="en-US" altLang="zh-CN" dirty="0" smtClean="0"/>
+              <a:t>)</a:t>
+            </a:r>
+            <a:endParaRPr lang="en-US" dirty="0" smtClean="0"/>
+          </a:p>
+        </p:txBody>
+      </p:sp>
+      <p:pic>
+        <p:nvPicPr>
+          <p:cNvPr id="4" name="Picture 3"/>
+          <p:cNvPicPr>
+            <a:picLocks noChangeAspect="1"/>
+          </p:cNvPicPr>
+          <p:nvPr/>
+        </p:nvPicPr>
+        <p:blipFill>
+          <a:blip r:embed="rId2"/>
+          <a:stretch>
+            <a:fillRect/>
+          </a:stretch>
+        </p:blipFill>
+        <p:spPr>
+          <a:xfrm>
+            <a:off x="875010" y="1865620"/>
+            <a:ext cx="3217190" cy="1630999"/>
+          </a:xfrm>
+          <a:prstGeom prst="rect">
+            <a:avLst/>
+          </a:prstGeom>
+        </p:spPr>
+      </p:pic>
+      <p:pic>
+        <p:nvPicPr>
+          <p:cNvPr id="5" name="Picture 4"/>
+          <p:cNvPicPr>
+            <a:picLocks noChangeAspect="1"/>
+          </p:cNvPicPr>
+          <p:nvPr/>
+        </p:nvPicPr>
+        <p:blipFill>
+          <a:blip r:embed="rId3"/>
+          <a:stretch>
+            <a:fillRect/>
+          </a:stretch>
+        </p:blipFill>
+        <p:spPr>
+          <a:xfrm>
+            <a:off x="875010" y="4609288"/>
+            <a:ext cx="5443090" cy="1886134"/>
+          </a:xfrm>
+          <a:prstGeom prst="rect">
+            <a:avLst/>
+          </a:prstGeom>
+        </p:spPr>
+      </p:pic>
+    </p:spTree>
+    <p:extLst>
+      <p:ext uri="{BB962C8B-B14F-4D97-AF65-F5344CB8AC3E}">
+        <p14:creationId xmlns:p14="http://schemas.microsoft.com/office/powerpoint/2010/main" val="411036932"/>
+      </p:ext>
+    </p:extLst>
+  </p:cSld>
+  <p:clrMapOvr>
+    <a:masterClrMapping/>
+  </p:clrMapOvr>
+</p:sld>
+</file>
+
+<file path=ppt/slides/slide6.xml><?xml version="1.0" encoding="utf-8"?>
+<p:sld xmlns:a="http://schemas.openxmlformats.org/drawingml/2006/main" xmlns:r="http://schemas.openxmlformats.org/officeDocument/2006/relationships" xmlns:p="http://schemas.openxmlformats.org/presentationml/2006/main">
+  <p:cSld>
+    <p:spTree>
+      <p:nvGrpSpPr>
+        <p:cNvPr id="1" name=""/>
+        <p:cNvGrpSpPr/>
+        <p:nvPr/>
+      </p:nvGrpSpPr>
+      <p:grpSpPr>
+        <a:xfrm>
+          <a:off x="0" y="0"/>
+          <a:ext cx="0" cy="0"/>
+          <a:chOff x="0" y="0"/>
+          <a:chExt cx="0" cy="0"/>
+        </a:xfrm>
+      </p:grpSpPr>
+      <p:sp>
+        <p:nvSpPr>
+          <p:cNvPr id="2" name="Title 1"/>
+          <p:cNvSpPr>
+            <a:spLocks noGrp="1"/>
+          </p:cNvSpPr>
+          <p:nvPr>
+            <p:ph type="title"/>
+          </p:nvPr>
+        </p:nvSpPr>
+        <p:spPr/>
+        <p:txBody>
+          <a:bodyPr/>
+          <a:lstStyle/>
+          <a:p>
+            <a:r>
+              <a:rPr lang="en-US" dirty="0" err="1" smtClean="0"/>
+              <a:t>epll的比较</a:t>
+            </a:r>
+            <a:endParaRPr lang="en-US" dirty="0"/>
+          </a:p>
+        </p:txBody>
+      </p:sp>
+      <p:sp>
+        <p:nvSpPr>
+          <p:cNvPr id="3" name="Content Placeholder 2"/>
+          <p:cNvSpPr>
+            <a:spLocks noGrp="1"/>
+          </p:cNvSpPr>
+          <p:nvPr>
+            <p:ph idx="1"/>
+          </p:nvPr>
+        </p:nvSpPr>
+        <p:spPr/>
+        <p:txBody>
+          <a:bodyPr/>
+          <a:lstStyle/>
+          <a:p>
+            <a:endParaRPr lang="en-US"/>
+          </a:p>
+        </p:txBody>
+      </p:sp>
+    </p:spTree>
+    <p:extLst>
+      <p:ext uri="{BB962C8B-B14F-4D97-AF65-F5344CB8AC3E}">
+        <p14:creationId xmlns:p14="http://schemas.microsoft.com/office/powerpoint/2010/main" val="3267890354"/>
+      </p:ext>
+    </p:extLst>
+  </p:cSld>
+  <p:clrMapOvr>
+    <a:masterClrMapping/>
+  </p:clrMapOvr>
+</p:sld>
+</file>
+
+<file path=ppt/slides/slide7.xml><?xml version="1.0" encoding="utf-8"?>
+<p:sld xmlns:a="http://schemas.openxmlformats.org/drawingml/2006/main" xmlns:r="http://schemas.openxmlformats.org/officeDocument/2006/relationships" xmlns:p="http://schemas.openxmlformats.org/presentationml/2006/main">
+  <p:cSld>
+    <p:spTree>
+      <p:nvGrpSpPr>
+        <p:cNvPr id="1" name=""/>
+        <p:cNvGrpSpPr/>
+        <p:nvPr/>
+      </p:nvGrpSpPr>
+      <p:grpSpPr>
+        <a:xfrm>
+          <a:off x="0" y="0"/>
+          <a:ext cx="0" cy="0"/>
+          <a:chOff x="0" y="0"/>
+          <a:chExt cx="0" cy="0"/>
+        </a:xfrm>
+      </p:grpSpPr>
+      <p:sp>
+        <p:nvSpPr>
+          <p:cNvPr id="2" name="Title 1"/>
+          <p:cNvSpPr>
+            <a:spLocks noGrp="1"/>
+          </p:cNvSpPr>
+          <p:nvPr>
+            <p:ph type="title"/>
+          </p:nvPr>
+        </p:nvSpPr>
+        <p:spPr/>
+        <p:txBody>
           <a:bodyPr/>
           <a:lstStyle/>
           <a:p>
@@ -3424,7 +4156,7 @@
 </p:sld>
 </file>
 
-<file path=ppt/slides/slide5.xml><?xml version="1.0" encoding="utf-8"?>
+<file path=ppt/slides/slide8.xml><?xml version="1.0" encoding="utf-8"?>
 <p:sld xmlns:a="http://schemas.openxmlformats.org/drawingml/2006/main" xmlns:r="http://schemas.openxmlformats.org/officeDocument/2006/relationships" xmlns:p="http://schemas.openxmlformats.org/presentationml/2006/main">
   <p:cSld>
     <p:spTree>

--- a/Paper_Presentation_pdf/presentation/ECE 590_Team 3_Presentation_final.pptx
+++ b/Paper_Presentation_pdf/presentation/ECE 590_Team 3_Presentation_final.pptx
@@ -4,10 +4,13 @@
   <p:sldMasterIdLst>
     <p:sldMasterId id="2147483854" r:id="rId1"/>
   </p:sldMasterIdLst>
+  <p:notesMasterIdLst>
+    <p:notesMasterId r:id="rId16"/>
+  </p:notesMasterIdLst>
   <p:sldIdLst>
     <p:sldId id="256" r:id="rId2"/>
-    <p:sldId id="265" r:id="rId3"/>
-    <p:sldId id="266" r:id="rId4"/>
+    <p:sldId id="271" r:id="rId3"/>
+    <p:sldId id="272" r:id="rId4"/>
     <p:sldId id="257" r:id="rId5"/>
     <p:sldId id="261" r:id="rId6"/>
     <p:sldId id="262" r:id="rId7"/>
@@ -126,6 +129,496 @@
 </p:cmAuthorLst>
 </file>
 
+<file path=ppt/notesMasters/notesMaster1.xml><?xml version="1.0" encoding="utf-8"?>
+<p:notesMaster xmlns:a="http://schemas.openxmlformats.org/drawingml/2006/main" xmlns:r="http://schemas.openxmlformats.org/officeDocument/2006/relationships" xmlns:p="http://schemas.openxmlformats.org/presentationml/2006/main">
+  <p:cSld>
+    <p:bg>
+      <p:bgRef idx="1001">
+        <a:schemeClr val="bg1"/>
+      </p:bgRef>
+    </p:bg>
+    <p:spTree>
+      <p:nvGrpSpPr>
+        <p:cNvPr id="1" name=""/>
+        <p:cNvGrpSpPr/>
+        <p:nvPr/>
+      </p:nvGrpSpPr>
+      <p:grpSpPr>
+        <a:xfrm>
+          <a:off x="0" y="0"/>
+          <a:ext cx="0" cy="0"/>
+          <a:chOff x="0" y="0"/>
+          <a:chExt cx="0" cy="0"/>
+        </a:xfrm>
+      </p:grpSpPr>
+      <p:sp>
+        <p:nvSpPr>
+          <p:cNvPr id="2" name="Header Placeholder 1"/>
+          <p:cNvSpPr>
+            <a:spLocks noGrp="1"/>
+          </p:cNvSpPr>
+          <p:nvPr>
+            <p:ph type="hdr" sz="quarter"/>
+          </p:nvPr>
+        </p:nvSpPr>
+        <p:spPr>
+          <a:xfrm>
+            <a:off x="0" y="0"/>
+            <a:ext cx="2971800" cy="457200"/>
+          </a:xfrm>
+          <a:prstGeom prst="rect">
+            <a:avLst/>
+          </a:prstGeom>
+        </p:spPr>
+        <p:txBody>
+          <a:bodyPr vert="horz" lIns="91440" tIns="45720" rIns="91440" bIns="45720" rtlCol="0"/>
+          <a:lstStyle>
+            <a:lvl1pPr algn="l">
+              <a:defRPr sz="1200"/>
+            </a:lvl1pPr>
+          </a:lstStyle>
+          <a:p>
+            <a:endParaRPr lang="en-US"/>
+          </a:p>
+        </p:txBody>
+      </p:sp>
+      <p:sp>
+        <p:nvSpPr>
+          <p:cNvPr id="3" name="Date Placeholder 2"/>
+          <p:cNvSpPr>
+            <a:spLocks noGrp="1"/>
+          </p:cNvSpPr>
+          <p:nvPr>
+            <p:ph type="dt" idx="1"/>
+          </p:nvPr>
+        </p:nvSpPr>
+        <p:spPr>
+          <a:xfrm>
+            <a:off x="3884613" y="0"/>
+            <a:ext cx="2971800" cy="457200"/>
+          </a:xfrm>
+          <a:prstGeom prst="rect">
+            <a:avLst/>
+          </a:prstGeom>
+        </p:spPr>
+        <p:txBody>
+          <a:bodyPr vert="horz" lIns="91440" tIns="45720" rIns="91440" bIns="45720" rtlCol="0"/>
+          <a:lstStyle>
+            <a:lvl1pPr algn="r">
+              <a:defRPr sz="1200"/>
+            </a:lvl1pPr>
+          </a:lstStyle>
+          <a:p>
+            <a:fld id="{9AD25FD3-BFCF-CF4A-9B89-46B09B356939}" type="datetimeFigureOut">
+              <a:rPr lang="en-US" smtClean="0"/>
+              <a:t>4/9/15</a:t>
+            </a:fld>
+            <a:endParaRPr lang="en-US"/>
+          </a:p>
+        </p:txBody>
+      </p:sp>
+      <p:sp>
+        <p:nvSpPr>
+          <p:cNvPr id="4" name="Slide Image Placeholder 3"/>
+          <p:cNvSpPr>
+            <a:spLocks noGrp="1" noRot="1" noChangeAspect="1"/>
+          </p:cNvSpPr>
+          <p:nvPr>
+            <p:ph type="sldImg" idx="2"/>
+          </p:nvPr>
+        </p:nvSpPr>
+        <p:spPr>
+          <a:xfrm>
+            <a:off x="1143000" y="685800"/>
+            <a:ext cx="4572000" cy="3429000"/>
+          </a:xfrm>
+          <a:prstGeom prst="rect">
+            <a:avLst/>
+          </a:prstGeom>
+          <a:noFill/>
+          <a:ln w="12700">
+            <a:solidFill>
+              <a:prstClr val="black"/>
+            </a:solidFill>
+          </a:ln>
+        </p:spPr>
+        <p:txBody>
+          <a:bodyPr vert="horz" lIns="91440" tIns="45720" rIns="91440" bIns="45720" rtlCol="0" anchor="ctr"/>
+          <a:lstStyle/>
+          <a:p>
+            <a:endParaRPr lang="en-US"/>
+          </a:p>
+        </p:txBody>
+      </p:sp>
+      <p:sp>
+        <p:nvSpPr>
+          <p:cNvPr id="5" name="Notes Placeholder 4"/>
+          <p:cNvSpPr>
+            <a:spLocks noGrp="1"/>
+          </p:cNvSpPr>
+          <p:nvPr>
+            <p:ph type="body" sz="quarter" idx="3"/>
+          </p:nvPr>
+        </p:nvSpPr>
+        <p:spPr>
+          <a:xfrm>
+            <a:off x="685800" y="4343400"/>
+            <a:ext cx="5486400" cy="4114800"/>
+          </a:xfrm>
+          <a:prstGeom prst="rect">
+            <a:avLst/>
+          </a:prstGeom>
+        </p:spPr>
+        <p:txBody>
+          <a:bodyPr vert="horz" lIns="91440" tIns="45720" rIns="91440" bIns="45720" rtlCol="0"/>
+          <a:lstStyle/>
+          <a:p>
+            <a:pPr lvl="0"/>
+            <a:r>
+              <a:rPr lang="en-US" smtClean="0"/>
+              <a:t>Click to edit Master text styles</a:t>
+            </a:r>
+          </a:p>
+          <a:p>
+            <a:pPr lvl="1"/>
+            <a:r>
+              <a:rPr lang="en-US" smtClean="0"/>
+              <a:t>Second level</a:t>
+            </a:r>
+          </a:p>
+          <a:p>
+            <a:pPr lvl="2"/>
+            <a:r>
+              <a:rPr lang="en-US" smtClean="0"/>
+              <a:t>Third level</a:t>
+            </a:r>
+          </a:p>
+          <a:p>
+            <a:pPr lvl="3"/>
+            <a:r>
+              <a:rPr lang="en-US" smtClean="0"/>
+              <a:t>Fourth level</a:t>
+            </a:r>
+          </a:p>
+          <a:p>
+            <a:pPr lvl="4"/>
+            <a:r>
+              <a:rPr lang="en-US" smtClean="0"/>
+              <a:t>Fifth level</a:t>
+            </a:r>
+            <a:endParaRPr lang="en-US"/>
+          </a:p>
+        </p:txBody>
+      </p:sp>
+      <p:sp>
+        <p:nvSpPr>
+          <p:cNvPr id="6" name="Footer Placeholder 5"/>
+          <p:cNvSpPr>
+            <a:spLocks noGrp="1"/>
+          </p:cNvSpPr>
+          <p:nvPr>
+            <p:ph type="ftr" sz="quarter" idx="4"/>
+          </p:nvPr>
+        </p:nvSpPr>
+        <p:spPr>
+          <a:xfrm>
+            <a:off x="0" y="8685213"/>
+            <a:ext cx="2971800" cy="457200"/>
+          </a:xfrm>
+          <a:prstGeom prst="rect">
+            <a:avLst/>
+          </a:prstGeom>
+        </p:spPr>
+        <p:txBody>
+          <a:bodyPr vert="horz" lIns="91440" tIns="45720" rIns="91440" bIns="45720" rtlCol="0" anchor="b"/>
+          <a:lstStyle>
+            <a:lvl1pPr algn="l">
+              <a:defRPr sz="1200"/>
+            </a:lvl1pPr>
+          </a:lstStyle>
+          <a:p>
+            <a:endParaRPr lang="en-US"/>
+          </a:p>
+        </p:txBody>
+      </p:sp>
+      <p:sp>
+        <p:nvSpPr>
+          <p:cNvPr id="7" name="Slide Number Placeholder 6"/>
+          <p:cNvSpPr>
+            <a:spLocks noGrp="1"/>
+          </p:cNvSpPr>
+          <p:nvPr>
+            <p:ph type="sldNum" sz="quarter" idx="5"/>
+          </p:nvPr>
+        </p:nvSpPr>
+        <p:spPr>
+          <a:xfrm>
+            <a:off x="3884613" y="8685213"/>
+            <a:ext cx="2971800" cy="457200"/>
+          </a:xfrm>
+          <a:prstGeom prst="rect">
+            <a:avLst/>
+          </a:prstGeom>
+        </p:spPr>
+        <p:txBody>
+          <a:bodyPr vert="horz" lIns="91440" tIns="45720" rIns="91440" bIns="45720" rtlCol="0" anchor="b"/>
+          <a:lstStyle>
+            <a:lvl1pPr algn="r">
+              <a:defRPr sz="1200"/>
+            </a:lvl1pPr>
+          </a:lstStyle>
+          <a:p>
+            <a:fld id="{4E8FF769-6DCE-714F-B346-F2E0A692FBD0}" type="slidenum">
+              <a:rPr lang="en-US" smtClean="0"/>
+              <a:t>‹#›</a:t>
+            </a:fld>
+            <a:endParaRPr lang="en-US"/>
+          </a:p>
+        </p:txBody>
+      </p:sp>
+    </p:spTree>
+    <p:extLst>
+      <p:ext uri="{BB962C8B-B14F-4D97-AF65-F5344CB8AC3E}">
+        <p14:creationId xmlns:p14="http://schemas.microsoft.com/office/powerpoint/2010/main" val="1744338314"/>
+      </p:ext>
+    </p:extLst>
+  </p:cSld>
+  <p:clrMap bg1="lt1" tx1="dk1" bg2="lt2" tx2="dk2" accent1="accent1" accent2="accent2" accent3="accent3" accent4="accent4" accent5="accent5" accent6="accent6" hlink="hlink" folHlink="folHlink"/>
+  <p:notesStyle>
+    <a:lvl1pPr marL="0" algn="l" defTabSz="457200" rtl="0" eaLnBrk="1" latinLnBrk="0" hangingPunct="1">
+      <a:defRPr sz="1200" kern="1200">
+        <a:solidFill>
+          <a:schemeClr val="tx1"/>
+        </a:solidFill>
+        <a:latin typeface="+mn-lt"/>
+        <a:ea typeface="+mn-ea"/>
+        <a:cs typeface="+mn-cs"/>
+      </a:defRPr>
+    </a:lvl1pPr>
+    <a:lvl2pPr marL="457200" algn="l" defTabSz="457200" rtl="0" eaLnBrk="1" latinLnBrk="0" hangingPunct="1">
+      <a:defRPr sz="1200" kern="1200">
+        <a:solidFill>
+          <a:schemeClr val="tx1"/>
+        </a:solidFill>
+        <a:latin typeface="+mn-lt"/>
+        <a:ea typeface="+mn-ea"/>
+        <a:cs typeface="+mn-cs"/>
+      </a:defRPr>
+    </a:lvl2pPr>
+    <a:lvl3pPr marL="914400" algn="l" defTabSz="457200" rtl="0" eaLnBrk="1" latinLnBrk="0" hangingPunct="1">
+      <a:defRPr sz="1200" kern="1200">
+        <a:solidFill>
+          <a:schemeClr val="tx1"/>
+        </a:solidFill>
+        <a:latin typeface="+mn-lt"/>
+        <a:ea typeface="+mn-ea"/>
+        <a:cs typeface="+mn-cs"/>
+      </a:defRPr>
+    </a:lvl3pPr>
+    <a:lvl4pPr marL="1371600" algn="l" defTabSz="457200" rtl="0" eaLnBrk="1" latinLnBrk="0" hangingPunct="1">
+      <a:defRPr sz="1200" kern="1200">
+        <a:solidFill>
+          <a:schemeClr val="tx1"/>
+        </a:solidFill>
+        <a:latin typeface="+mn-lt"/>
+        <a:ea typeface="+mn-ea"/>
+        <a:cs typeface="+mn-cs"/>
+      </a:defRPr>
+    </a:lvl4pPr>
+    <a:lvl5pPr marL="1828800" algn="l" defTabSz="457200" rtl="0" eaLnBrk="1" latinLnBrk="0" hangingPunct="1">
+      <a:defRPr sz="1200" kern="1200">
+        <a:solidFill>
+          <a:schemeClr val="tx1"/>
+        </a:solidFill>
+        <a:latin typeface="+mn-lt"/>
+        <a:ea typeface="+mn-ea"/>
+        <a:cs typeface="+mn-cs"/>
+      </a:defRPr>
+    </a:lvl5pPr>
+    <a:lvl6pPr marL="2286000" algn="l" defTabSz="457200" rtl="0" eaLnBrk="1" latinLnBrk="0" hangingPunct="1">
+      <a:defRPr sz="1200" kern="1200">
+        <a:solidFill>
+          <a:schemeClr val="tx1"/>
+        </a:solidFill>
+        <a:latin typeface="+mn-lt"/>
+        <a:ea typeface="+mn-ea"/>
+        <a:cs typeface="+mn-cs"/>
+      </a:defRPr>
+    </a:lvl6pPr>
+    <a:lvl7pPr marL="2743200" algn="l" defTabSz="457200" rtl="0" eaLnBrk="1" latinLnBrk="0" hangingPunct="1">
+      <a:defRPr sz="1200" kern="1200">
+        <a:solidFill>
+          <a:schemeClr val="tx1"/>
+        </a:solidFill>
+        <a:latin typeface="+mn-lt"/>
+        <a:ea typeface="+mn-ea"/>
+        <a:cs typeface="+mn-cs"/>
+      </a:defRPr>
+    </a:lvl7pPr>
+    <a:lvl8pPr marL="3200400" algn="l" defTabSz="457200" rtl="0" eaLnBrk="1" latinLnBrk="0" hangingPunct="1">
+      <a:defRPr sz="1200" kern="1200">
+        <a:solidFill>
+          <a:schemeClr val="tx1"/>
+        </a:solidFill>
+        <a:latin typeface="+mn-lt"/>
+        <a:ea typeface="+mn-ea"/>
+        <a:cs typeface="+mn-cs"/>
+      </a:defRPr>
+    </a:lvl8pPr>
+    <a:lvl9pPr marL="3657600" algn="l" defTabSz="457200" rtl="0" eaLnBrk="1" latinLnBrk="0" hangingPunct="1">
+      <a:defRPr sz="1200" kern="1200">
+        <a:solidFill>
+          <a:schemeClr val="tx1"/>
+        </a:solidFill>
+        <a:latin typeface="+mn-lt"/>
+        <a:ea typeface="+mn-ea"/>
+        <a:cs typeface="+mn-cs"/>
+      </a:defRPr>
+    </a:lvl9pPr>
+  </p:notesStyle>
+</p:notesMaster>
+</file>
+
+<file path=ppt/notesSlides/notesSlide1.xml><?xml version="1.0" encoding="utf-8"?>
+<p:notes xmlns:a="http://schemas.openxmlformats.org/drawingml/2006/main" xmlns:r="http://schemas.openxmlformats.org/officeDocument/2006/relationships" xmlns:p="http://schemas.openxmlformats.org/presentationml/2006/main">
+  <p:cSld>
+    <p:spTree>
+      <p:nvGrpSpPr>
+        <p:cNvPr id="1" name=""/>
+        <p:cNvGrpSpPr/>
+        <p:nvPr/>
+      </p:nvGrpSpPr>
+      <p:grpSpPr>
+        <a:xfrm>
+          <a:off x="0" y="0"/>
+          <a:ext cx="0" cy="0"/>
+          <a:chOff x="0" y="0"/>
+          <a:chExt cx="0" cy="0"/>
+        </a:xfrm>
+      </p:grpSpPr>
+      <p:sp>
+        <p:nvSpPr>
+          <p:cNvPr id="2" name="幻灯片图像占位符 1"/>
+          <p:cNvSpPr>
+            <a:spLocks noGrp="1" noRot="1" noChangeAspect="1"/>
+          </p:cNvSpPr>
+          <p:nvPr>
+            <p:ph type="sldImg"/>
+          </p:nvPr>
+        </p:nvSpPr>
+        <p:spPr/>
+      </p:sp>
+      <p:sp>
+        <p:nvSpPr>
+          <p:cNvPr id="3" name="备注占位符 2"/>
+          <p:cNvSpPr>
+            <a:spLocks noGrp="1"/>
+          </p:cNvSpPr>
+          <p:nvPr>
+            <p:ph type="body" idx="1"/>
+          </p:nvPr>
+        </p:nvSpPr>
+        <p:spPr/>
+        <p:txBody>
+          <a:bodyPr/>
+          <a:lstStyle/>
+          <a:p>
+            <a:r>
+              <a:rPr lang="en-US" altLang="zh-CN" baseline="0" dirty="0" smtClean="0"/>
+              <a:t>Camera shake: </a:t>
+            </a:r>
+            <a:r>
+              <a:rPr lang="en-US" altLang="zh-CN" dirty="0" smtClean="0"/>
+              <a:t>User moving hands(The</a:t>
+            </a:r>
+            <a:r>
+              <a:rPr lang="en-US" altLang="zh-CN" baseline="0" dirty="0" smtClean="0"/>
+              <a:t> blurry peacock is the result of shaky hands</a:t>
+            </a:r>
+            <a:r>
+              <a:rPr lang="en-US" altLang="zh-CN" dirty="0" smtClean="0"/>
+              <a:t>)</a:t>
+            </a:r>
+            <a:endParaRPr lang="en-US" altLang="zh-CN" baseline="0" dirty="0" smtClean="0"/>
+          </a:p>
+          <a:p>
+            <a:pPr marL="0" marR="0" indent="0" algn="l" defTabSz="914400" rtl="0" eaLnBrk="1" fontAlgn="auto" latinLnBrk="0" hangingPunct="1">
+              <a:lnSpc>
+                <a:spcPct val="100000"/>
+              </a:lnSpc>
+              <a:spcBef>
+                <a:spcPts val="0"/>
+              </a:spcBef>
+              <a:spcAft>
+                <a:spcPts val="0"/>
+              </a:spcAft>
+              <a:buClrTx/>
+              <a:buSzTx/>
+              <a:buFontTx/>
+              <a:buNone/>
+              <a:tabLst/>
+              <a:defRPr/>
+            </a:pPr>
+            <a:r>
+              <a:rPr lang="en-US" altLang="zh-CN" baseline="0" dirty="0" smtClean="0"/>
+              <a:t>Scene motion: Objects in the scene moving</a:t>
+            </a:r>
+          </a:p>
+          <a:p>
+            <a:r>
+              <a:rPr lang="en-US" altLang="zh-CN" dirty="0" smtClean="0"/>
+              <a:t>Defocus blur: Depth of field effects</a:t>
+            </a:r>
+          </a:p>
+          <a:p>
+            <a:r>
+              <a:rPr lang="en-US" altLang="zh-CN" dirty="0" smtClean="0"/>
+              <a:t>Out of Plane: There is a speed of</a:t>
+            </a:r>
+            <a:r>
+              <a:rPr lang="en-US" altLang="zh-CN" baseline="0" dirty="0" smtClean="0"/>
+              <a:t> the object in the direction perpendicular to the image plane</a:t>
+            </a:r>
+            <a:endParaRPr lang="zh-CN" altLang="en-US" dirty="0"/>
+          </a:p>
+        </p:txBody>
+      </p:sp>
+      <p:sp>
+        <p:nvSpPr>
+          <p:cNvPr id="4" name="灯片编号占位符 3"/>
+          <p:cNvSpPr>
+            <a:spLocks noGrp="1"/>
+          </p:cNvSpPr>
+          <p:nvPr>
+            <p:ph type="sldNum" sz="quarter" idx="10"/>
+          </p:nvPr>
+        </p:nvSpPr>
+        <p:spPr/>
+        <p:txBody>
+          <a:bodyPr/>
+          <a:lstStyle/>
+          <a:p>
+            <a:fld id="{FBE422AC-62A6-4154-A016-C5BB8341F6F1}" type="slidenum">
+              <a:rPr lang="zh-CN" altLang="en-US" smtClean="0"/>
+              <a:t>2</a:t>
+            </a:fld>
+            <a:endParaRPr lang="zh-CN" altLang="en-US"/>
+          </a:p>
+        </p:txBody>
+      </p:sp>
+    </p:spTree>
+    <p:extLst>
+      <p:ext uri="{BB962C8B-B14F-4D97-AF65-F5344CB8AC3E}">
+        <p14:creationId xmlns:p14="http://schemas.microsoft.com/office/powerpoint/2010/main" val="1294222150"/>
+      </p:ext>
+    </p:extLst>
+  </p:cSld>
+  <p:clrMapOvr>
+    <a:masterClrMapping/>
+  </p:clrMapOvr>
+</p:notes>
+</file>
+
 <file path=ppt/slideLayouts/slideLayout1.xml><?xml version="1.0" encoding="utf-8"?>
 <p:sldLayout xmlns:a="http://schemas.openxmlformats.org/drawingml/2006/main" xmlns:r="http://schemas.openxmlformats.org/officeDocument/2006/relationships" xmlns:p="http://schemas.openxmlformats.org/presentationml/2006/main" type="title" preserve="1">
   <p:cSld name="Title Slide">
@@ -307,7 +800,7 @@
           <a:p>
             <a:fld id="{70FAA508-F0CD-46EA-95FB-26B559A0B5D9}" type="datetimeFigureOut">
               <a:rPr lang="en-US" smtClean="0"/>
-              <a:t>4/9/2015</a:t>
+              <a:t>4/9/15</a:t>
             </a:fld>
             <a:endParaRPr lang="en-US"/>
           </a:p>
@@ -477,7 +970,7 @@
           <a:p>
             <a:fld id="{70FAA508-F0CD-46EA-95FB-26B559A0B5D9}" type="datetimeFigureOut">
               <a:rPr lang="en-US" smtClean="0"/>
-              <a:t>4/9/2015</a:t>
+              <a:t>4/9/15</a:t>
             </a:fld>
             <a:endParaRPr lang="en-US"/>
           </a:p>
@@ -657,7 +1150,7 @@
           <a:p>
             <a:fld id="{70FAA508-F0CD-46EA-95FB-26B559A0B5D9}" type="datetimeFigureOut">
               <a:rPr lang="en-US" smtClean="0"/>
-              <a:t>4/9/2015</a:t>
+              <a:t>4/9/15</a:t>
             </a:fld>
             <a:endParaRPr lang="en-US"/>
           </a:p>
@@ -827,7 +1320,7 @@
           <a:p>
             <a:fld id="{70FAA508-F0CD-46EA-95FB-26B559A0B5D9}" type="datetimeFigureOut">
               <a:rPr lang="en-US" smtClean="0"/>
-              <a:t>4/9/2015</a:t>
+              <a:t>4/9/15</a:t>
             </a:fld>
             <a:endParaRPr lang="en-US"/>
           </a:p>
@@ -1073,7 +1566,7 @@
           <a:p>
             <a:fld id="{70FAA508-F0CD-46EA-95FB-26B559A0B5D9}" type="datetimeFigureOut">
               <a:rPr lang="en-US" smtClean="0"/>
-              <a:t>4/9/2015</a:t>
+              <a:t>4/9/15</a:t>
             </a:fld>
             <a:endParaRPr lang="en-US"/>
           </a:p>
@@ -1361,7 +1854,7 @@
           <a:p>
             <a:fld id="{70FAA508-F0CD-46EA-95FB-26B559A0B5D9}" type="datetimeFigureOut">
               <a:rPr lang="en-US" smtClean="0"/>
-              <a:t>4/9/2015</a:t>
+              <a:t>4/9/15</a:t>
             </a:fld>
             <a:endParaRPr lang="en-US"/>
           </a:p>
@@ -1783,7 +2276,7 @@
           <a:p>
             <a:fld id="{70FAA508-F0CD-46EA-95FB-26B559A0B5D9}" type="datetimeFigureOut">
               <a:rPr lang="en-US" smtClean="0"/>
-              <a:t>4/9/2015</a:t>
+              <a:t>4/9/15</a:t>
             </a:fld>
             <a:endParaRPr lang="en-US"/>
           </a:p>
@@ -1901,7 +2394,7 @@
           <a:p>
             <a:fld id="{70FAA508-F0CD-46EA-95FB-26B559A0B5D9}" type="datetimeFigureOut">
               <a:rPr lang="en-US" smtClean="0"/>
-              <a:t>4/9/2015</a:t>
+              <a:t>4/9/15</a:t>
             </a:fld>
             <a:endParaRPr lang="en-US"/>
           </a:p>
@@ -1996,7 +2489,7 @@
           <a:p>
             <a:fld id="{70FAA508-F0CD-46EA-95FB-26B559A0B5D9}" type="datetimeFigureOut">
               <a:rPr lang="en-US" smtClean="0"/>
-              <a:t>4/9/2015</a:t>
+              <a:t>4/9/15</a:t>
             </a:fld>
             <a:endParaRPr lang="en-US"/>
           </a:p>
@@ -2273,7 +2766,7 @@
           <a:p>
             <a:fld id="{70FAA508-F0CD-46EA-95FB-26B559A0B5D9}" type="datetimeFigureOut">
               <a:rPr lang="en-US" smtClean="0"/>
-              <a:t>4/9/2015</a:t>
+              <a:t>4/9/15</a:t>
             </a:fld>
             <a:endParaRPr lang="en-US"/>
           </a:p>
@@ -2526,7 +3019,7 @@
           <a:p>
             <a:fld id="{70FAA508-F0CD-46EA-95FB-26B559A0B5D9}" type="datetimeFigureOut">
               <a:rPr lang="en-US" smtClean="0"/>
-              <a:t>4/9/2015</a:t>
+              <a:t>4/9/15</a:t>
             </a:fld>
             <a:endParaRPr lang="en-US"/>
           </a:p>
@@ -2739,7 +3232,7 @@
           <a:p>
             <a:fld id="{70FAA508-F0CD-46EA-95FB-26B559A0B5D9}" type="datetimeFigureOut">
               <a:rPr lang="en-US" smtClean="0"/>
-              <a:t>4/9/2015</a:t>
+              <a:t>4/9/15</a:t>
             </a:fld>
             <a:endParaRPr lang="en-US"/>
           </a:p>
@@ -3304,7 +3797,7 @@
           </a:prstGeom>
           <a:noFill/>
           <a:extLst>
-            <a:ext uri="{909E8E84-426E-40DD-AFC4-6F175D3DCCD1}">
+            <a:ext uri="{909E8E84-426E-40dd-AFC4-6F175D3DCCD1}">
               <a14:hiddenFill xmlns:a14="http://schemas.microsoft.com/office/drawing/2010/main">
                 <a:solidFill>
                   <a:srgbClr val="FFFFFF"/>
@@ -3345,7 +3838,7 @@
           </a:prstGeom>
           <a:noFill/>
           <a:extLst>
-            <a:ext uri="{909E8E84-426E-40DD-AFC4-6F175D3DCCD1}">
+            <a:ext uri="{909E8E84-426E-40dd-AFC4-6F175D3DCCD1}">
               <a14:hiddenFill xmlns:a14="http://schemas.microsoft.com/office/drawing/2010/main">
                 <a:solidFill>
                   <a:srgbClr val="FFFFFF"/>
@@ -3373,7 +3866,7 @@
           </a:prstGeom>
           <a:noFill/>
           <a:extLst>
-            <a:ext uri="{909E8E84-426E-40DD-AFC4-6F175D3DCCD1}">
+            <a:ext uri="{909E8E84-426E-40dd-AFC4-6F175D3DCCD1}">
               <a14:hiddenFill xmlns:a14="http://schemas.microsoft.com/office/drawing/2010/main">
                 <a:solidFill>
                   <a:srgbClr val="FFFFFF"/>
@@ -3412,7 +3905,7 @@
           </a:prstGeom>
           <a:noFill/>
           <a:extLst>
-            <a:ext uri="{909E8E84-426E-40DD-AFC4-6F175D3DCCD1}">
+            <a:ext uri="{909E8E84-426E-40dd-AFC4-6F175D3DCCD1}">
               <a14:hiddenFill xmlns:a14="http://schemas.microsoft.com/office/drawing/2010/main">
                 <a:solidFill>
                   <a:srgbClr val="FFFFFF"/>
@@ -3464,7 +3957,7 @@
           </a:prstGeom>
           <a:noFill/>
           <a:extLst>
-            <a:ext uri="{909E8E84-426E-40DD-AFC4-6F175D3DCCD1}">
+            <a:ext uri="{909E8E84-426E-40dd-AFC4-6F175D3DCCD1}">
               <a14:hiddenFill xmlns:a14="http://schemas.microsoft.com/office/drawing/2010/main">
                 <a:solidFill>
                   <a:srgbClr val="FFFFFF"/>
@@ -3625,7 +4118,7 @@
           </a:prstGeom>
           <a:noFill/>
           <a:extLst>
-            <a:ext uri="{909E8E84-426E-40DD-AFC4-6F175D3DCCD1}">
+            <a:ext uri="{909E8E84-426E-40dd-AFC4-6F175D3DCCD1}">
               <a14:hiddenFill xmlns:a14="http://schemas.microsoft.com/office/drawing/2010/main">
                 <a:solidFill>
                   <a:srgbClr val="FFFFFF"/>
@@ -3666,7 +4159,7 @@
           </a:prstGeom>
           <a:noFill/>
           <a:extLst>
-            <a:ext uri="{909E8E84-426E-40DD-AFC4-6F175D3DCCD1}">
+            <a:ext uri="{909E8E84-426E-40dd-AFC4-6F175D3DCCD1}">
               <a14:hiddenFill xmlns:a14="http://schemas.microsoft.com/office/drawing/2010/main">
                 <a:solidFill>
                   <a:srgbClr val="FFFFFF"/>
@@ -3707,7 +4200,7 @@
           </a:prstGeom>
           <a:noFill/>
           <a:extLst>
-            <a:ext uri="{909E8E84-426E-40DD-AFC4-6F175D3DCCD1}">
+            <a:ext uri="{909E8E84-426E-40dd-AFC4-6F175D3DCCD1}">
               <a14:hiddenFill xmlns:a14="http://schemas.microsoft.com/office/drawing/2010/main">
                 <a:solidFill>
                   <a:srgbClr val="FFFFFF"/>
@@ -4641,7 +5134,12 @@
             <p:ph type="title"/>
           </p:nvPr>
         </p:nvSpPr>
-        <p:spPr/>
+        <p:spPr>
+          <a:xfrm>
+            <a:off x="395654" y="81207"/>
+            <a:ext cx="8229600" cy="1143000"/>
+          </a:xfrm>
+        </p:spPr>
         <p:txBody>
           <a:bodyPr/>
           <a:lstStyle/>
@@ -4664,42 +5162,12 @@
             </a:r>
             <a:r>
               <a:rPr lang="en-US" altLang="zh-CN" dirty="0" smtClean="0"/>
-              <a:t>blur</a:t>
+              <a:t>Blur</a:t>
             </a:r>
             <a:endParaRPr lang="en-US" dirty="0"/>
           </a:p>
         </p:txBody>
       </p:sp>
-      <p:pic>
-        <p:nvPicPr>
-          <p:cNvPr id="4" name="Picture 3" descr="Screen Shot 2015-04-09 at 7.07.12 PM.png"/>
-          <p:cNvPicPr>
-            <a:picLocks noChangeAspect="1"/>
-          </p:cNvPicPr>
-          <p:nvPr/>
-        </p:nvPicPr>
-        <p:blipFill>
-          <a:blip r:embed="rId2" cstate="email">
-            <a:extLst>
-              <a:ext uri="{28A0092B-C50C-407E-A947-70E740481C1C}">
-                <a14:useLocalDpi xmlns:a14="http://schemas.microsoft.com/office/drawing/2010/main" val="0"/>
-              </a:ext>
-            </a:extLst>
-          </a:blip>
-          <a:stretch>
-            <a:fillRect/>
-          </a:stretch>
-        </p:blipFill>
-        <p:spPr>
-          <a:xfrm>
-            <a:off x="810464" y="851999"/>
-            <a:ext cx="1956195" cy="2668675"/>
-          </a:xfrm>
-          <a:prstGeom prst="rect">
-            <a:avLst/>
-          </a:prstGeom>
-        </p:spPr>
-      </p:pic>
       <p:pic>
         <p:nvPicPr>
           <p:cNvPr id="5" name="Picture 4" descr="Screen Shot 2015-04-09 at 7.07.19 PM.png"/>
@@ -4722,8 +5190,8 @@
         </p:blipFill>
         <p:spPr>
           <a:xfrm>
-            <a:off x="5405076" y="851999"/>
-            <a:ext cx="2707933" cy="2314702"/>
+            <a:off x="1033298" y="3950218"/>
+            <a:ext cx="2803648" cy="2396518"/>
           </a:xfrm>
           <a:prstGeom prst="rect">
             <a:avLst/>
@@ -4752,8 +5220,8 @@
         </p:blipFill>
         <p:spPr>
           <a:xfrm>
-            <a:off x="5180698" y="4267557"/>
-            <a:ext cx="2840206" cy="1851970"/>
+            <a:off x="510490" y="1133184"/>
+            <a:ext cx="3432246" cy="2238012"/>
           </a:xfrm>
           <a:prstGeom prst="rect">
             <a:avLst/>
@@ -4768,8 +5236,8 @@
         </p:nvSpPr>
         <p:spPr>
           <a:xfrm>
-            <a:off x="2766659" y="1813662"/>
-            <a:ext cx="1588709" cy="369332"/>
+            <a:off x="4220403" y="3513595"/>
+            <a:ext cx="1184940" cy="307777"/>
           </a:xfrm>
           <a:prstGeom prst="rect">
             <a:avLst/>
@@ -4783,18 +5251,10 @@
           <a:lstStyle/>
           <a:p>
             <a:r>
-              <a:rPr lang="en-US" dirty="0" smtClean="0"/>
-              <a:t>Moving</a:t>
-            </a:r>
-            <a:r>
-              <a:rPr lang="zh-CN" altLang="en-US" dirty="0" smtClean="0"/>
-              <a:t> </a:t>
-            </a:r>
-            <a:r>
-              <a:rPr lang="en-US" altLang="zh-CN" dirty="0" smtClean="0"/>
-              <a:t>object</a:t>
-            </a:r>
-            <a:endParaRPr lang="en-US" dirty="0"/>
+              <a:rPr lang="en-US" altLang="zh-CN" sz="1400" dirty="0"/>
+              <a:t>Scene motion</a:t>
+            </a:r>
+            <a:endParaRPr lang="en-US" sz="1400" dirty="0"/>
           </a:p>
         </p:txBody>
       </p:sp>
@@ -4806,8 +5266,8 @@
         </p:nvSpPr>
         <p:spPr>
           <a:xfrm>
-            <a:off x="4296834" y="3694667"/>
-            <a:ext cx="3988667" cy="369332"/>
+            <a:off x="1033297" y="6447459"/>
+            <a:ext cx="1102610" cy="307777"/>
           </a:xfrm>
           <a:prstGeom prst="rect">
             <a:avLst/>
@@ -4821,66 +5281,14 @@
           <a:lstStyle/>
           <a:p>
             <a:r>
-              <a:rPr lang="en-US" dirty="0" smtClean="0"/>
-              <a:t>Out</a:t>
-            </a:r>
-            <a:r>
-              <a:rPr lang="zh-CN" altLang="en-US" dirty="0" smtClean="0"/>
-              <a:t> </a:t>
-            </a:r>
-            <a:r>
-              <a:rPr lang="en-US" altLang="zh-CN" dirty="0" smtClean="0"/>
-              <a:t>of</a:t>
-            </a:r>
-            <a:r>
-              <a:rPr lang="zh-CN" altLang="en-US" dirty="0" smtClean="0"/>
-              <a:t> </a:t>
-            </a:r>
-            <a:r>
-              <a:rPr lang="en-US" altLang="zh-CN" dirty="0" smtClean="0"/>
-              <a:t>focus</a:t>
-            </a:r>
-            <a:r>
-              <a:rPr lang="zh-CN" altLang="en-US" dirty="0" smtClean="0"/>
-              <a:t> </a:t>
-            </a:r>
-            <a:r>
-              <a:rPr lang="en-US" altLang="zh-CN" dirty="0" smtClean="0"/>
-              <a:t>with</a:t>
-            </a:r>
-            <a:r>
-              <a:rPr lang="zh-CN" altLang="en-US" dirty="0" smtClean="0"/>
-              <a:t> </a:t>
-            </a:r>
-            <a:r>
-              <a:rPr lang="en-US" altLang="zh-CN" dirty="0" smtClean="0"/>
-              <a:t>different</a:t>
-            </a:r>
-            <a:r>
-              <a:rPr lang="zh-CN" altLang="en-US" dirty="0" smtClean="0"/>
-              <a:t> </a:t>
-            </a:r>
-            <a:r>
-              <a:rPr lang="en-US" altLang="zh-CN" dirty="0" smtClean="0"/>
-              <a:t>depth</a:t>
-            </a:r>
-            <a:r>
-              <a:rPr lang="zh-CN" altLang="en-US" dirty="0" smtClean="0"/>
-              <a:t> </a:t>
-            </a:r>
-            <a:r>
-              <a:rPr lang="en-US" altLang="zh-CN" dirty="0" smtClean="0"/>
-              <a:t>of</a:t>
-            </a:r>
-            <a:r>
-              <a:rPr lang="zh-CN" altLang="en-US" dirty="0" smtClean="0"/>
-              <a:t> </a:t>
-            </a:r>
-            <a:r>
-              <a:rPr lang="en-US" altLang="zh-CN" dirty="0" smtClean="0"/>
-              <a:t>field</a:t>
-            </a:r>
-            <a:endParaRPr lang="en-US" dirty="0"/>
+              <a:rPr lang="en-US" altLang="zh-CN" sz="1400" dirty="0" smtClean="0"/>
+              <a:t>Defocus </a:t>
+            </a:r>
+            <a:r>
+              <a:rPr lang="en-US" altLang="zh-CN" sz="1400" dirty="0"/>
+              <a:t>blur</a:t>
+            </a:r>
+            <a:endParaRPr lang="en-US" sz="1400" dirty="0"/>
           </a:p>
         </p:txBody>
       </p:sp>
@@ -4892,8 +5300,8 @@
         </p:nvSpPr>
         <p:spPr>
           <a:xfrm>
-            <a:off x="5259917" y="6498167"/>
-            <a:ext cx="1275710" cy="369332"/>
+            <a:off x="510490" y="3513596"/>
+            <a:ext cx="1030090" cy="307777"/>
           </a:xfrm>
           <a:prstGeom prst="rect">
             <a:avLst/>
@@ -4907,18 +5315,18 @@
           <a:lstStyle/>
           <a:p>
             <a:r>
-              <a:rPr lang="en-US" dirty="0" smtClean="0"/>
+              <a:rPr lang="en-US" sz="1400" dirty="0" smtClean="0"/>
               <a:t>Hand</a:t>
             </a:r>
             <a:r>
-              <a:rPr lang="zh-CN" altLang="en-US" dirty="0" smtClean="0"/>
+              <a:rPr lang="zh-CN" altLang="en-US" sz="1400" dirty="0" smtClean="0"/>
               <a:t> </a:t>
             </a:r>
             <a:r>
-              <a:rPr lang="en-US" altLang="zh-CN" dirty="0" smtClean="0"/>
+              <a:rPr lang="en-US" altLang="zh-CN" sz="1400" dirty="0" smtClean="0"/>
               <a:t>shake</a:t>
             </a:r>
-            <a:endParaRPr lang="en-US" dirty="0"/>
+            <a:endParaRPr lang="en-US" sz="1400" dirty="0"/>
           </a:p>
         </p:txBody>
       </p:sp>
@@ -4944,8 +5352,8 @@
         </p:blipFill>
         <p:spPr>
           <a:xfrm>
-            <a:off x="669365" y="3694667"/>
-            <a:ext cx="2876080" cy="2169824"/>
+            <a:off x="4220403" y="3950218"/>
+            <a:ext cx="2959301" cy="2232610"/>
           </a:xfrm>
           <a:prstGeom prst="rect">
             <a:avLst/>
@@ -4960,8 +5368,8 @@
         </p:nvSpPr>
         <p:spPr>
           <a:xfrm>
-            <a:off x="1144470" y="6313501"/>
-            <a:ext cx="1353593" cy="369332"/>
+            <a:off x="4220403" y="6235031"/>
+            <a:ext cx="1280643" cy="307777"/>
           </a:xfrm>
           <a:prstGeom prst="rect">
             <a:avLst/>
@@ -4969,39 +5377,99 @@
           <a:noFill/>
         </p:spPr>
         <p:txBody>
-          <a:bodyPr wrap="none" rtlCol="0">
+          <a:bodyPr wrap="square" rtlCol="0">
             <a:spAutoFit/>
           </a:bodyPr>
           <a:lstStyle/>
           <a:p>
             <a:r>
-              <a:rPr lang="en-US" dirty="0" smtClean="0"/>
+              <a:rPr lang="en-US" sz="1400" dirty="0" smtClean="0"/>
               <a:t>Out</a:t>
             </a:r>
             <a:r>
-              <a:rPr lang="zh-CN" altLang="en-US" dirty="0" smtClean="0"/>
+              <a:rPr lang="zh-CN" altLang="en-US" sz="1400" dirty="0" smtClean="0"/>
               <a:t> </a:t>
             </a:r>
             <a:r>
-              <a:rPr lang="en-US" altLang="zh-CN" dirty="0" smtClean="0"/>
+              <a:rPr lang="en-US" altLang="zh-CN" sz="1400" dirty="0" smtClean="0"/>
               <a:t>of</a:t>
             </a:r>
             <a:r>
-              <a:rPr lang="zh-CN" altLang="en-US" dirty="0" smtClean="0"/>
+              <a:rPr lang="zh-CN" altLang="en-US" sz="1400" dirty="0" smtClean="0"/>
               <a:t> </a:t>
             </a:r>
             <a:r>
-              <a:rPr lang="en-US" altLang="zh-CN" dirty="0" smtClean="0"/>
+              <a:rPr lang="en-US" altLang="zh-CN" sz="1400" dirty="0" smtClean="0"/>
               <a:t>plane</a:t>
             </a:r>
-            <a:endParaRPr lang="en-US" dirty="0"/>
-          </a:p>
-        </p:txBody>
-      </p:sp>
+            <a:endParaRPr lang="en-US" sz="1400" dirty="0"/>
+          </a:p>
+        </p:txBody>
+      </p:sp>
+      <p:sp>
+        <p:nvSpPr>
+          <p:cNvPr id="3" name="TextBox 2"/>
+          <p:cNvSpPr txBox="1"/>
+          <p:nvPr/>
+        </p:nvSpPr>
+        <p:spPr>
+          <a:xfrm>
+            <a:off x="4439337" y="6581001"/>
+            <a:ext cx="4633545" cy="276999"/>
+          </a:xfrm>
+          <a:prstGeom prst="rect">
+            <a:avLst/>
+          </a:prstGeom>
+          <a:noFill/>
+        </p:spPr>
+        <p:txBody>
+          <a:bodyPr wrap="square" rtlCol="0">
+            <a:spAutoFit/>
+          </a:bodyPr>
+          <a:lstStyle/>
+          <a:p>
+            <a:r>
+              <a:rPr lang="en-US" altLang="zh-CN" sz="1200" dirty="0"/>
+              <a:t>http://www.cs.unc.edu/~lazebnik/research/fall08/lec05_deblurring.pdf</a:t>
+            </a:r>
+            <a:endParaRPr lang="zh-CN" altLang="en-US" sz="1200" dirty="0"/>
+          </a:p>
+        </p:txBody>
+      </p:sp>
+      <p:pic>
+        <p:nvPicPr>
+          <p:cNvPr id="12" name="图片 11"/>
+          <p:cNvPicPr>
+            <a:picLocks noChangeAspect="1"/>
+          </p:cNvPicPr>
+          <p:nvPr/>
+        </p:nvPicPr>
+        <p:blipFill>
+          <a:blip r:embed="rId6" cstate="email">
+            <a:extLst>
+              <a:ext uri="{28A0092B-C50C-407E-A947-70E740481C1C}">
+                <a14:useLocalDpi xmlns:a14="http://schemas.microsoft.com/office/drawing/2010/main" val="0"/>
+              </a:ext>
+            </a:extLst>
+          </a:blip>
+          <a:stretch>
+            <a:fillRect/>
+          </a:stretch>
+        </p:blipFill>
+        <p:spPr>
+          <a:xfrm>
+            <a:off x="4220403" y="1201562"/>
+            <a:ext cx="4313997" cy="2312033"/>
+          </a:xfrm>
+          <a:prstGeom prst="rect">
+            <a:avLst/>
+          </a:prstGeom>
+        </p:spPr>
+      </p:pic>
     </p:spTree>
     <p:extLst>
       <p:ext uri="{BB962C8B-B14F-4D97-AF65-F5344CB8AC3E}">
-        <p14:creationId xmlns:p14="http://schemas.microsoft.com/office/powerpoint/2010/main" val="4185188325"/>
+        <p14:creationId xmlns:p14="http://schemas.microsoft.com/office/powerpoint/2010/main" val="2077212932"/>
       </p:ext>
     </p:extLst>
   </p:cSld>
@@ -5044,8 +5512,16 @@
           <a:lstStyle/>
           <a:p>
             <a:r>
+              <a:rPr lang="en-US" dirty="0" smtClean="0"/>
+              <a:t>Presumption of the </a:t>
+            </a:r>
+            <a:r>
               <a:rPr lang="en-US" dirty="0" err="1" smtClean="0"/>
-              <a:t>Deblur的图形前提assumption</a:t>
+              <a:t>Deblurring</a:t>
+            </a:r>
+            <a:r>
+              <a:rPr lang="en-US" dirty="0" smtClean="0"/>
+              <a:t> </a:t>
             </a:r>
             <a:endParaRPr lang="en-US" dirty="0"/>
           </a:p>
@@ -5073,8 +5549,8 @@
         </p:blipFill>
         <p:spPr>
           <a:xfrm>
-            <a:off x="1381125" y="2397080"/>
-            <a:ext cx="5826125" cy="3995512"/>
+            <a:off x="1481340" y="2277248"/>
+            <a:ext cx="5570281" cy="3820056"/>
           </a:xfrm>
           <a:prstGeom prst="rect">
             <a:avLst/>
@@ -5089,8 +5565,8 @@
         </p:nvSpPr>
         <p:spPr>
           <a:xfrm>
-            <a:off x="1325712" y="1677084"/>
-            <a:ext cx="5881538" cy="646331"/>
+            <a:off x="1481340" y="1353918"/>
+            <a:ext cx="4625433" cy="923330"/>
           </a:xfrm>
           <a:prstGeom prst="rect">
             <a:avLst/>
@@ -5103,6 +5579,10 @@
           </a:bodyPr>
           <a:lstStyle/>
           <a:p>
+            <a:pPr marL="285750" indent="-285750">
+              <a:buFont typeface="Arial" pitchFamily="34" charset="0"/>
+              <a:buChar char="•"/>
+            </a:pPr>
             <a:r>
               <a:rPr lang="en-US" dirty="0" smtClean="0"/>
               <a:t>Hand</a:t>
@@ -5123,21 +5603,16 @@
               <a:rPr lang="en-US" altLang="zh-CN" dirty="0" smtClean="0"/>
               <a:t>blur</a:t>
             </a:r>
-            <a:r>
-              <a:rPr lang="zh-CN" altLang="en-US" dirty="0" smtClean="0"/>
-              <a:t> </a:t>
-            </a:r>
+            <a:endParaRPr lang="en-US" altLang="zh-CN" dirty="0"/>
+          </a:p>
+          <a:p>
+            <a:pPr marL="285750" indent="-285750">
+              <a:buFont typeface="Arial" pitchFamily="34" charset="0"/>
+              <a:buChar char="•"/>
+            </a:pPr>
             <a:r>
               <a:rPr lang="en-US" altLang="zh-CN" dirty="0" smtClean="0"/>
-              <a:t>/</a:t>
-            </a:r>
-            <a:r>
-              <a:rPr lang="zh-CN" altLang="en-US" dirty="0" smtClean="0"/>
-              <a:t> </a:t>
-            </a:r>
-            <a:r>
-              <a:rPr lang="en-US" altLang="zh-CN" dirty="0" smtClean="0"/>
-              <a:t>out</a:t>
+              <a:t>Out</a:t>
             </a:r>
             <a:r>
               <a:rPr lang="zh-CN" altLang="en-US" dirty="0" smtClean="0"/>
@@ -5221,7 +5696,7 @@
     </p:spTree>
     <p:extLst>
       <p:ext uri="{BB962C8B-B14F-4D97-AF65-F5344CB8AC3E}">
-        <p14:creationId xmlns:p14="http://schemas.microsoft.com/office/powerpoint/2010/main" val="3848112277"/>
+        <p14:creationId xmlns:p14="http://schemas.microsoft.com/office/powerpoint/2010/main" val="353346647"/>
       </p:ext>
     </p:extLst>
   </p:cSld>
@@ -6075,7 +6550,7 @@
           </a:prstGeom>
           <a:noFill/>
           <a:extLst>
-            <a:ext uri="{909E8E84-426E-40DD-AFC4-6F175D3DCCD1}">
+            <a:ext uri="{909E8E84-426E-40dd-AFC4-6F175D3DCCD1}">
               <a14:hiddenFill xmlns:a14="http://schemas.microsoft.com/office/drawing/2010/main">
                 <a:solidFill>
                   <a:srgbClr val="FFFFFF"/>
@@ -6153,11 +6628,7 @@
             </a:r>
             <a:r>
               <a:rPr lang="en-US" dirty="0" smtClean="0"/>
-              <a:t> </a:t>
-            </a:r>
-            <a:r>
-              <a:rPr lang="en-US" dirty="0" smtClean="0"/>
-              <a:t>algorithm</a:t>
+              <a:t> algorithm</a:t>
             </a:r>
             <a:endParaRPr lang="en-US" dirty="0"/>
           </a:p>
@@ -6939,7 +7410,7 @@
           </a:prstGeom>
           <a:noFill/>
           <a:extLst>
-            <a:ext uri="{909E8E84-426E-40DD-AFC4-6F175D3DCCD1}">
+            <a:ext uri="{909E8E84-426E-40dd-AFC4-6F175D3DCCD1}">
               <a14:hiddenFill xmlns:a14="http://schemas.microsoft.com/office/drawing/2010/main">
                 <a:solidFill>
                   <a:srgbClr val="FFFFFF"/>
@@ -7618,4 +8089,324 @@
   </a:objectDefaults>
   <a:extraClrSchemeLst/>
 </a:theme>
+</file>
+
+<file path=ppt/theme/theme2.xml><?xml version="1.0" encoding="utf-8"?>
+<a:theme xmlns:a="http://schemas.openxmlformats.org/drawingml/2006/main" name="Office Theme">
+  <a:themeElements>
+    <a:clrScheme name="Office">
+      <a:dk1>
+        <a:sysClr val="windowText" lastClr="000000"/>
+      </a:dk1>
+      <a:lt1>
+        <a:sysClr val="window" lastClr="FFFFFF"/>
+      </a:lt1>
+      <a:dk2>
+        <a:srgbClr val="1F497D"/>
+      </a:dk2>
+      <a:lt2>
+        <a:srgbClr val="EEECE1"/>
+      </a:lt2>
+      <a:accent1>
+        <a:srgbClr val="4F81BD"/>
+      </a:accent1>
+      <a:accent2>
+        <a:srgbClr val="C0504D"/>
+      </a:accent2>
+      <a:accent3>
+        <a:srgbClr val="9BBB59"/>
+      </a:accent3>
+      <a:accent4>
+        <a:srgbClr val="8064A2"/>
+      </a:accent4>
+      <a:accent5>
+        <a:srgbClr val="4BACC6"/>
+      </a:accent5>
+      <a:accent6>
+        <a:srgbClr val="F79646"/>
+      </a:accent6>
+      <a:hlink>
+        <a:srgbClr val="0000FF"/>
+      </a:hlink>
+      <a:folHlink>
+        <a:srgbClr val="800080"/>
+      </a:folHlink>
+    </a:clrScheme>
+    <a:fontScheme name="Office">
+      <a:majorFont>
+        <a:latin typeface="Calibri"/>
+        <a:ea typeface=""/>
+        <a:cs typeface=""/>
+        <a:font script="Jpan" typeface="ＭＳ Ｐゴシック"/>
+        <a:font script="Hang" typeface="맑은 고딕"/>
+        <a:font script="Hans" typeface="宋体"/>
+        <a:font script="Hant" typeface="新細明體"/>
+        <a:font script="Arab" typeface="Times New Roman"/>
+        <a:font script="Hebr" typeface="Times New Roman"/>
+        <a:font script="Thai" typeface="Angsana New"/>
+        <a:font script="Ethi" typeface="Nyala"/>
+        <a:font script="Beng" typeface="Vrinda"/>
+        <a:font script="Gujr" typeface="Shruti"/>
+        <a:font script="Khmr" typeface="MoolBoran"/>
+        <a:font script="Knda" typeface="Tunga"/>
+        <a:font script="Guru" typeface="Raavi"/>
+        <a:font script="Cans" typeface="Euphemia"/>
+        <a:font script="Cher" typeface="Plantagenet Cherokee"/>
+        <a:font script="Yiii" typeface="Microsoft Yi Baiti"/>
+        <a:font script="Tibt" typeface="Microsoft Himalaya"/>
+        <a:font script="Thaa" typeface="MV Boli"/>
+        <a:font script="Deva" typeface="Mangal"/>
+        <a:font script="Telu" typeface="Gautami"/>
+        <a:font script="Taml" typeface="Latha"/>
+        <a:font script="Syrc" typeface="Estrangelo Edessa"/>
+        <a:font script="Orya" typeface="Kalinga"/>
+        <a:font script="Mlym" typeface="Kartika"/>
+        <a:font script="Laoo" typeface="DokChampa"/>
+        <a:font script="Sinh" typeface="Iskoola Pota"/>
+        <a:font script="Mong" typeface="Mongolian Baiti"/>
+        <a:font script="Viet" typeface="Times New Roman"/>
+        <a:font script="Uigh" typeface="Microsoft Uighur"/>
+        <a:font script="Geor" typeface="Sylfaen"/>
+      </a:majorFont>
+      <a:minorFont>
+        <a:latin typeface="Calibri"/>
+        <a:ea typeface=""/>
+        <a:cs typeface=""/>
+        <a:font script="Jpan" typeface="ＭＳ Ｐゴシック"/>
+        <a:font script="Hang" typeface="맑은 고딕"/>
+        <a:font script="Hans" typeface="宋体"/>
+        <a:font script="Hant" typeface="新細明體"/>
+        <a:font script="Arab" typeface="Arial"/>
+        <a:font script="Hebr" typeface="Arial"/>
+        <a:font script="Thai" typeface="Cordia New"/>
+        <a:font script="Ethi" typeface="Nyala"/>
+        <a:font script="Beng" typeface="Vrinda"/>
+        <a:font script="Gujr" typeface="Shruti"/>
+        <a:font script="Khmr" typeface="DaunPenh"/>
+        <a:font script="Knda" typeface="Tunga"/>
+        <a:font script="Guru" typeface="Raavi"/>
+        <a:font script="Cans" typeface="Euphemia"/>
+        <a:font script="Cher" typeface="Plantagenet Cherokee"/>
+        <a:font script="Yiii" typeface="Microsoft Yi Baiti"/>
+        <a:font script="Tibt" typeface="Microsoft Himalaya"/>
+        <a:font script="Thaa" typeface="MV Boli"/>
+        <a:font script="Deva" typeface="Mangal"/>
+        <a:font script="Telu" typeface="Gautami"/>
+        <a:font script="Taml" typeface="Latha"/>
+        <a:font script="Syrc" typeface="Estrangelo Edessa"/>
+        <a:font script="Orya" typeface="Kalinga"/>
+        <a:font script="Mlym" typeface="Kartika"/>
+        <a:font script="Laoo" typeface="DokChampa"/>
+        <a:font script="Sinh" typeface="Iskoola Pota"/>
+        <a:font script="Mong" typeface="Mongolian Baiti"/>
+        <a:font script="Viet" typeface="Arial"/>
+        <a:font script="Uigh" typeface="Microsoft Uighur"/>
+        <a:font script="Geor" typeface="Sylfaen"/>
+      </a:minorFont>
+    </a:fontScheme>
+    <a:fmtScheme name="Office">
+      <a:fillStyleLst>
+        <a:solidFill>
+          <a:schemeClr val="phClr"/>
+        </a:solidFill>
+        <a:gradFill rotWithShape="1">
+          <a:gsLst>
+            <a:gs pos="0">
+              <a:schemeClr val="phClr">
+                <a:tint val="50000"/>
+                <a:satMod val="300000"/>
+              </a:schemeClr>
+            </a:gs>
+            <a:gs pos="35000">
+              <a:schemeClr val="phClr">
+                <a:tint val="37000"/>
+                <a:satMod val="300000"/>
+              </a:schemeClr>
+            </a:gs>
+            <a:gs pos="100000">
+              <a:schemeClr val="phClr">
+                <a:tint val="15000"/>
+                <a:satMod val="350000"/>
+              </a:schemeClr>
+            </a:gs>
+          </a:gsLst>
+          <a:lin ang="16200000" scaled="1"/>
+        </a:gradFill>
+        <a:gradFill rotWithShape="1">
+          <a:gsLst>
+            <a:gs pos="0">
+              <a:schemeClr val="phClr">
+                <a:tint val="100000"/>
+                <a:shade val="100000"/>
+                <a:satMod val="130000"/>
+              </a:schemeClr>
+            </a:gs>
+            <a:gs pos="100000">
+              <a:schemeClr val="phClr">
+                <a:tint val="50000"/>
+                <a:shade val="100000"/>
+                <a:satMod val="350000"/>
+              </a:schemeClr>
+            </a:gs>
+          </a:gsLst>
+          <a:lin ang="16200000" scaled="0"/>
+        </a:gradFill>
+      </a:fillStyleLst>
+      <a:lnStyleLst>
+        <a:ln w="9525" cap="flat" cmpd="sng" algn="ctr">
+          <a:solidFill>
+            <a:schemeClr val="phClr">
+              <a:shade val="95000"/>
+              <a:satMod val="105000"/>
+            </a:schemeClr>
+          </a:solidFill>
+          <a:prstDash val="solid"/>
+        </a:ln>
+        <a:ln w="25400" cap="flat" cmpd="sng" algn="ctr">
+          <a:solidFill>
+            <a:schemeClr val="phClr"/>
+          </a:solidFill>
+          <a:prstDash val="solid"/>
+        </a:ln>
+        <a:ln w="38100" cap="flat" cmpd="sng" algn="ctr">
+          <a:solidFill>
+            <a:schemeClr val="phClr"/>
+          </a:solidFill>
+          <a:prstDash val="solid"/>
+        </a:ln>
+      </a:lnStyleLst>
+      <a:effectStyleLst>
+        <a:effectStyle>
+          <a:effectLst>
+            <a:outerShdw blurRad="40000" dist="20000" dir="5400000" rotWithShape="0">
+              <a:srgbClr val="000000">
+                <a:alpha val="38000"/>
+              </a:srgbClr>
+            </a:outerShdw>
+          </a:effectLst>
+        </a:effectStyle>
+        <a:effectStyle>
+          <a:effectLst>
+            <a:outerShdw blurRad="40000" dist="23000" dir="5400000" rotWithShape="0">
+              <a:srgbClr val="000000">
+                <a:alpha val="35000"/>
+              </a:srgbClr>
+            </a:outerShdw>
+          </a:effectLst>
+        </a:effectStyle>
+        <a:effectStyle>
+          <a:effectLst>
+            <a:outerShdw blurRad="40000" dist="23000" dir="5400000" rotWithShape="0">
+              <a:srgbClr val="000000">
+                <a:alpha val="35000"/>
+              </a:srgbClr>
+            </a:outerShdw>
+          </a:effectLst>
+          <a:scene3d>
+            <a:camera prst="orthographicFront">
+              <a:rot lat="0" lon="0" rev="0"/>
+            </a:camera>
+            <a:lightRig rig="threePt" dir="t">
+              <a:rot lat="0" lon="0" rev="1200000"/>
+            </a:lightRig>
+          </a:scene3d>
+          <a:sp3d>
+            <a:bevelT w="63500" h="25400"/>
+          </a:sp3d>
+        </a:effectStyle>
+      </a:effectStyleLst>
+      <a:bgFillStyleLst>
+        <a:solidFill>
+          <a:schemeClr val="phClr"/>
+        </a:solidFill>
+        <a:gradFill rotWithShape="1">
+          <a:gsLst>
+            <a:gs pos="0">
+              <a:schemeClr val="phClr">
+                <a:tint val="40000"/>
+                <a:satMod val="350000"/>
+              </a:schemeClr>
+            </a:gs>
+            <a:gs pos="40000">
+              <a:schemeClr val="phClr">
+                <a:tint val="45000"/>
+                <a:shade val="99000"/>
+                <a:satMod val="350000"/>
+              </a:schemeClr>
+            </a:gs>
+            <a:gs pos="100000">
+              <a:schemeClr val="phClr">
+                <a:shade val="20000"/>
+                <a:satMod val="255000"/>
+              </a:schemeClr>
+            </a:gs>
+          </a:gsLst>
+          <a:path path="circle">
+            <a:fillToRect l="50000" t="-80000" r="50000" b="180000"/>
+          </a:path>
+        </a:gradFill>
+        <a:gradFill rotWithShape="1">
+          <a:gsLst>
+            <a:gs pos="0">
+              <a:schemeClr val="phClr">
+                <a:tint val="80000"/>
+                <a:satMod val="300000"/>
+              </a:schemeClr>
+            </a:gs>
+            <a:gs pos="100000">
+              <a:schemeClr val="phClr">
+                <a:shade val="30000"/>
+                <a:satMod val="200000"/>
+              </a:schemeClr>
+            </a:gs>
+          </a:gsLst>
+          <a:path path="circle">
+            <a:fillToRect l="50000" t="50000" r="50000" b="50000"/>
+          </a:path>
+        </a:gradFill>
+      </a:bgFillStyleLst>
+    </a:fmtScheme>
+  </a:themeElements>
+  <a:objectDefaults>
+    <a:spDef>
+      <a:spPr/>
+      <a:bodyPr/>
+      <a:lstStyle/>
+      <a:style>
+        <a:lnRef idx="1">
+          <a:schemeClr val="accent1"/>
+        </a:lnRef>
+        <a:fillRef idx="3">
+          <a:schemeClr val="accent1"/>
+        </a:fillRef>
+        <a:effectRef idx="2">
+          <a:schemeClr val="accent1"/>
+        </a:effectRef>
+        <a:fontRef idx="minor">
+          <a:schemeClr val="lt1"/>
+        </a:fontRef>
+      </a:style>
+    </a:spDef>
+    <a:lnDef>
+      <a:spPr/>
+      <a:bodyPr/>
+      <a:lstStyle/>
+      <a:style>
+        <a:lnRef idx="2">
+          <a:schemeClr val="accent1"/>
+        </a:lnRef>
+        <a:fillRef idx="0">
+          <a:schemeClr val="accent1"/>
+        </a:fillRef>
+        <a:effectRef idx="1">
+          <a:schemeClr val="accent1"/>
+        </a:effectRef>
+        <a:fontRef idx="minor">
+          <a:schemeClr val="tx1"/>
+        </a:fontRef>
+      </a:style>
+    </a:lnDef>
+  </a:objectDefaults>
+  <a:extraClrSchemeLst/>
+</a:theme>
 </file>
--- a/Paper_Presentation_pdf/presentation/ECE 590_Team 3_Presentation_final.pptx
+++ b/Paper_Presentation_pdf/presentation/ECE 590_Team 3_Presentation_final.pptx
@@ -5762,97 +5762,102 @@
           </a:xfrm>
         </p:spPr>
         <p:txBody>
-          <a:bodyPr/>
-          <a:lstStyle/>
-          <a:p>
-            <a:r>
-              <a:rPr lang="en-US" dirty="0" smtClean="0"/>
+          <a:bodyPr>
+            <a:normAutofit/>
+          </a:bodyPr>
+          <a:lstStyle/>
+          <a:p>
+            <a:r>
+              <a:rPr lang="en-US" sz="2800" dirty="0" smtClean="0"/>
               <a:t>Patch </a:t>
             </a:r>
             <a:r>
-              <a:rPr lang="en-US" dirty="0"/>
+              <a:rPr lang="en-US" sz="2800" dirty="0"/>
               <a:t>recurrence across scales in a sharp </a:t>
             </a:r>
             <a:r>
-              <a:rPr lang="en-US" dirty="0" smtClean="0"/>
+              <a:rPr lang="en-US" sz="2800" dirty="0" smtClean="0"/>
               <a:t>image</a:t>
             </a:r>
           </a:p>
           <a:p>
-            <a:endParaRPr lang="en-US" dirty="0"/>
-          </a:p>
-          <a:p>
-            <a:endParaRPr lang="en-US" dirty="0"/>
-          </a:p>
-          <a:p>
-            <a:r>
-              <a:rPr lang="en-US" dirty="0"/>
+            <a:endParaRPr lang="en-US" sz="2800" dirty="0"/>
+          </a:p>
+          <a:p>
+            <a:endParaRPr lang="en-US" sz="2800" dirty="0" smtClean="0"/>
+          </a:p>
+          <a:p>
+            <a:endParaRPr lang="en-US" sz="2800" dirty="0"/>
+          </a:p>
+          <a:p>
+            <a:r>
+              <a:rPr lang="en-US" sz="2800" dirty="0"/>
               <a:t>In</a:t>
             </a:r>
             <a:r>
-              <a:rPr lang="zh-CN" altLang="en-US" dirty="0"/>
+              <a:rPr lang="zh-CN" altLang="en-US" sz="2800" dirty="0"/>
               <a:t> </a:t>
             </a:r>
             <a:r>
-              <a:rPr lang="en-US" altLang="zh-CN" dirty="0"/>
+              <a:rPr lang="en-US" altLang="zh-CN" sz="2800" dirty="0"/>
               <a:t>a</a:t>
             </a:r>
             <a:r>
-              <a:rPr lang="zh-CN" altLang="en-US" dirty="0"/>
+              <a:rPr lang="zh-CN" altLang="en-US" sz="2800" dirty="0"/>
               <a:t> </a:t>
             </a:r>
             <a:r>
-              <a:rPr lang="en-US" altLang="zh-CN" dirty="0"/>
+              <a:rPr lang="en-US" altLang="zh-CN" sz="2800" dirty="0"/>
               <a:t>blurry</a:t>
             </a:r>
             <a:r>
-              <a:rPr lang="zh-CN" altLang="en-US" dirty="0"/>
+              <a:rPr lang="zh-CN" altLang="en-US" sz="2800" dirty="0"/>
               <a:t> </a:t>
             </a:r>
             <a:r>
-              <a:rPr lang="en-US" altLang="zh-CN" dirty="0"/>
+              <a:rPr lang="en-US" altLang="zh-CN" sz="2800" dirty="0"/>
               <a:t>image,</a:t>
             </a:r>
             <a:r>
-              <a:rPr lang="zh-CN" altLang="en-US" dirty="0"/>
+              <a:rPr lang="zh-CN" altLang="en-US" sz="2800" dirty="0"/>
               <a:t> </a:t>
             </a:r>
             <a:r>
-              <a:rPr lang="en-US" altLang="zh-CN" dirty="0"/>
+              <a:rPr lang="en-US" altLang="zh-CN" sz="2800" dirty="0"/>
               <a:t>cross-</a:t>
             </a:r>
             <a:r>
-              <a:rPr lang="en-US" altLang="zh-CN" dirty="0" smtClean="0"/>
+              <a:rPr lang="en-US" altLang="zh-CN" sz="2800" dirty="0" smtClean="0"/>
               <a:t>scale</a:t>
             </a:r>
             <a:r>
-              <a:rPr lang="zh-CN" altLang="en-US" dirty="0" smtClean="0"/>
+              <a:rPr lang="zh-CN" altLang="en-US" sz="2800" dirty="0" smtClean="0"/>
               <a:t> </a:t>
             </a:r>
             <a:r>
-              <a:rPr lang="en-US" altLang="zh-CN" dirty="0" smtClean="0"/>
+              <a:rPr lang="en-US" altLang="zh-CN" sz="2800" dirty="0" smtClean="0"/>
               <a:t>patch</a:t>
             </a:r>
             <a:r>
-              <a:rPr lang="zh-CN" altLang="en-US" dirty="0" smtClean="0"/>
+              <a:rPr lang="zh-CN" altLang="en-US" sz="2800" dirty="0" smtClean="0"/>
               <a:t> </a:t>
             </a:r>
             <a:r>
-              <a:rPr lang="en-US" altLang="zh-CN" dirty="0" smtClean="0"/>
+              <a:rPr lang="en-US" altLang="zh-CN" sz="2800" dirty="0" smtClean="0"/>
               <a:t>recurrence</a:t>
             </a:r>
             <a:r>
-              <a:rPr lang="zh-CN" altLang="en-US" dirty="0" smtClean="0"/>
+              <a:rPr lang="zh-CN" altLang="en-US" sz="2800" dirty="0" smtClean="0"/>
               <a:t> </a:t>
             </a:r>
             <a:r>
-              <a:rPr lang="en-US" altLang="zh-CN" dirty="0" err="1" smtClean="0"/>
-              <a:t>deminishes</a:t>
-            </a:r>
-            <a:endParaRPr lang="en-US" altLang="zh-CN" dirty="0"/>
-          </a:p>
-          <a:p>
-            <a:endParaRPr lang="en-US" dirty="0"/>
+              <a:rPr lang="en-US" altLang="zh-CN" sz="2800" dirty="0" smtClean="0"/>
+              <a:t>diminishes</a:t>
+            </a:r>
+            <a:endParaRPr lang="en-US" altLang="zh-CN" sz="2800" dirty="0"/>
+          </a:p>
+          <a:p>
+            <a:endParaRPr lang="en-US" sz="2800" dirty="0"/>
           </a:p>
         </p:txBody>
       </p:sp>
@@ -5872,8 +5877,8 @@
         </p:blipFill>
         <p:spPr>
           <a:xfrm>
-            <a:off x="830917" y="1938700"/>
-            <a:ext cx="6177001" cy="1794077"/>
+            <a:off x="830917" y="1880303"/>
+            <a:ext cx="5738311" cy="1666662"/>
           </a:xfrm>
           <a:prstGeom prst="rect">
             <a:avLst/>
@@ -5896,7 +5901,7 @@
         </p:blipFill>
         <p:spPr>
           <a:xfrm>
-            <a:off x="830917" y="4667005"/>
+            <a:off x="830917" y="4473384"/>
             <a:ext cx="6177001" cy="1784724"/>
           </a:xfrm>
           <a:prstGeom prst="rect">
@@ -6016,55 +6021,16 @@
           <a:p>
             <a:r>
               <a:rPr lang="en-US" dirty="0"/>
-              <a:t>Step 1: </a:t>
+              <a:t>Step 1</a:t>
             </a:r>
             <a:r>
               <a:rPr lang="en-US" dirty="0" smtClean="0"/>
-              <a:t>Down</a:t>
-            </a:r>
-            <a:r>
-              <a:rPr lang="zh-CN" altLang="en-US" dirty="0" smtClean="0"/>
-              <a:t> </a:t>
-            </a:r>
-            <a:r>
-              <a:rPr lang="en-US" altLang="zh-CN" dirty="0" smtClean="0"/>
-              <a:t>scale</a:t>
-            </a:r>
-            <a:r>
-              <a:rPr lang="zh-CN" altLang="en-US" dirty="0" smtClean="0"/>
-              <a:t> </a:t>
-            </a:r>
-            <a:r>
-              <a:rPr lang="en-US" dirty="0" smtClean="0"/>
-              <a:t>Find</a:t>
-            </a:r>
-            <a:r>
-              <a:rPr lang="zh-CN" altLang="en-US" dirty="0" smtClean="0"/>
-              <a:t> </a:t>
-            </a:r>
-            <a:r>
-              <a:rPr lang="en-US" altLang="zh-CN" dirty="0" smtClean="0"/>
-              <a:t>nearest</a:t>
-            </a:r>
-            <a:r>
-              <a:rPr lang="zh-CN" altLang="en-US" dirty="0" smtClean="0"/>
-              <a:t> </a:t>
-            </a:r>
-            <a:r>
-              <a:rPr lang="en-US" altLang="zh-CN" dirty="0" smtClean="0"/>
-              <a:t>neighbor</a:t>
-            </a:r>
-            <a:r>
-              <a:rPr lang="zh-CN" altLang="en-US" dirty="0" smtClean="0"/>
-              <a:t> </a:t>
-            </a:r>
-            <a:r>
-              <a:rPr lang="en-US" altLang="zh-CN" dirty="0" smtClean="0"/>
-              <a:t>(NNs)</a:t>
-            </a:r>
-            <a:endParaRPr lang="en-US" dirty="0" smtClean="0"/>
-          </a:p>
-          <a:p>
+              <a:t>:</a:t>
+            </a:r>
+            <a:r>
+              <a:rPr lang="en-US" dirty="0"/>
+              <a:t>Image Prior Update </a:t>
+            </a:r>
             <a:endParaRPr lang="en-US" dirty="0"/>
           </a:p>
         </p:txBody>
@@ -6085,7 +6051,7 @@
         </p:blipFill>
         <p:spPr>
           <a:xfrm>
-            <a:off x="752528" y="2642776"/>
+            <a:off x="752528" y="2394593"/>
             <a:ext cx="7164694" cy="3483387"/>
           </a:xfrm>
           <a:prstGeom prst="rect">

--- a/Paper_Presentation_pdf/presentation/ECE 590_Team 3_Presentation_final.pptx
+++ b/Paper_Presentation_pdf/presentation/ECE 590_Team 3_Presentation_final.pptx
@@ -5,7 +5,7 @@
     <p:sldMasterId id="2147483854" r:id="rId1"/>
   </p:sldMasterIdLst>
   <p:notesMasterIdLst>
-    <p:notesMasterId r:id="rId16"/>
+    <p:notesMasterId r:id="rId18"/>
   </p:notesMasterIdLst>
   <p:sldIdLst>
     <p:sldId id="256" r:id="rId2"/>
@@ -22,6 +22,8 @@
     <p:sldId id="260" r:id="rId13"/>
     <p:sldId id="267" r:id="rId14"/>
     <p:sldId id="259" r:id="rId15"/>
+    <p:sldId id="273" r:id="rId16"/>
+    <p:sldId id="274" r:id="rId17"/>
   </p:sldIdLst>
   <p:sldSz cx="9144000" cy="6858000" type="screen4x3"/>
   <p:notesSz cx="6858000" cy="9144000"/>
@@ -610,6 +612,90 @@
     <p:extLst>
       <p:ext uri="{BB962C8B-B14F-4D97-AF65-F5344CB8AC3E}">
         <p14:creationId xmlns:p14="http://schemas.microsoft.com/office/powerpoint/2010/main" val="1294222150"/>
+      </p:ext>
+    </p:extLst>
+  </p:cSld>
+  <p:clrMapOvr>
+    <a:masterClrMapping/>
+  </p:clrMapOvr>
+</p:notes>
+</file>
+
+<file path=ppt/notesSlides/notesSlide2.xml><?xml version="1.0" encoding="utf-8"?>
+<p:notes xmlns:a="http://schemas.openxmlformats.org/drawingml/2006/main" xmlns:r="http://schemas.openxmlformats.org/officeDocument/2006/relationships" xmlns:p="http://schemas.openxmlformats.org/presentationml/2006/main">
+  <p:cSld>
+    <p:spTree>
+      <p:nvGrpSpPr>
+        <p:cNvPr id="1" name=""/>
+        <p:cNvGrpSpPr/>
+        <p:nvPr/>
+      </p:nvGrpSpPr>
+      <p:grpSpPr>
+        <a:xfrm>
+          <a:off x="0" y="0"/>
+          <a:ext cx="0" cy="0"/>
+          <a:chOff x="0" y="0"/>
+          <a:chExt cx="0" cy="0"/>
+        </a:xfrm>
+      </p:grpSpPr>
+      <p:sp>
+        <p:nvSpPr>
+          <p:cNvPr id="2" name="Slide Image Placeholder 1"/>
+          <p:cNvSpPr>
+            <a:spLocks noGrp="1" noRot="1" noChangeAspect="1"/>
+          </p:cNvSpPr>
+          <p:nvPr>
+            <p:ph type="sldImg"/>
+          </p:nvPr>
+        </p:nvSpPr>
+        <p:spPr/>
+      </p:sp>
+      <p:sp>
+        <p:nvSpPr>
+          <p:cNvPr id="3" name="Notes Placeholder 2"/>
+          <p:cNvSpPr>
+            <a:spLocks noGrp="1"/>
+          </p:cNvSpPr>
+          <p:nvPr>
+            <p:ph type="body" idx="1"/>
+          </p:nvPr>
+        </p:nvSpPr>
+        <p:spPr/>
+        <p:txBody>
+          <a:bodyPr/>
+          <a:lstStyle/>
+          <a:p>
+            <a:endParaRPr lang="en-US" dirty="0"/>
+          </a:p>
+        </p:txBody>
+      </p:sp>
+      <p:sp>
+        <p:nvSpPr>
+          <p:cNvPr id="4" name="Slide Number Placeholder 3"/>
+          <p:cNvSpPr>
+            <a:spLocks noGrp="1"/>
+          </p:cNvSpPr>
+          <p:nvPr>
+            <p:ph type="sldNum" sz="quarter" idx="10"/>
+          </p:nvPr>
+        </p:nvSpPr>
+        <p:spPr/>
+        <p:txBody>
+          <a:bodyPr/>
+          <a:lstStyle/>
+          <a:p>
+            <a:fld id="{4E8FF769-6DCE-714F-B346-F2E0A692FBD0}" type="slidenum">
+              <a:rPr lang="en-US" smtClean="0"/>
+              <a:t>15</a:t>
+            </a:fld>
+            <a:endParaRPr lang="en-US"/>
+          </a:p>
+        </p:txBody>
+      </p:sp>
+    </p:spTree>
+    <p:extLst>
+      <p:ext uri="{BB962C8B-B14F-4D97-AF65-F5344CB8AC3E}">
+        <p14:creationId xmlns:p14="http://schemas.microsoft.com/office/powerpoint/2010/main" val="3766117879"/>
       </p:ext>
     </p:extLst>
   </p:cSld>
@@ -4955,7 +5041,7 @@
         <p:spPr>
           <a:xfrm>
             <a:off x="873125" y="2603500"/>
-            <a:ext cx="1424488" cy="369332"/>
+            <a:ext cx="1486254" cy="646331"/>
           </a:xfrm>
           <a:prstGeom prst="rect">
             <a:avLst/>
@@ -4968,6 +5054,7 @@
           </a:bodyPr>
           <a:lstStyle/>
           <a:p>
+            <a:pPr algn="ctr"/>
             <a:r>
               <a:rPr lang="en-US" dirty="0" smtClean="0"/>
               <a:t>Whole</a:t>
@@ -4978,7 +5065,14 @@
             </a:r>
             <a:r>
               <a:rPr lang="en-US" altLang="zh-CN" dirty="0" smtClean="0"/>
-              <a:t>image</a:t>
+              <a:t>image:</a:t>
+            </a:r>
+          </a:p>
+          <a:p>
+            <a:pPr algn="ctr"/>
+            <a:r>
+              <a:rPr lang="en-US" dirty="0" smtClean="0"/>
+              <a:t>4~5 hours</a:t>
             </a:r>
             <a:endParaRPr lang="en-US" dirty="0"/>
           </a:p>
@@ -4993,7 +5087,7 @@
         <p:spPr>
           <a:xfrm>
             <a:off x="873125" y="4988004"/>
-            <a:ext cx="1612265" cy="369332"/>
+            <a:ext cx="1674031" cy="646331"/>
           </a:xfrm>
           <a:prstGeom prst="rect">
             <a:avLst/>
@@ -5006,6 +5100,7 @@
           </a:bodyPr>
           <a:lstStyle/>
           <a:p>
+            <a:pPr algn="ctr"/>
             <a:r>
               <a:rPr lang="en-US" dirty="0" smtClean="0"/>
               <a:t>Cropped</a:t>
@@ -5016,7 +5111,18 @@
             </a:r>
             <a:r>
               <a:rPr lang="en-US" altLang="zh-CN" dirty="0" smtClean="0"/>
-              <a:t>image</a:t>
+              <a:t>image:</a:t>
+            </a:r>
+          </a:p>
+          <a:p>
+            <a:pPr algn="ctr"/>
+            <a:r>
+              <a:rPr lang="en-US" dirty="0" smtClean="0"/>
+              <a:t>40~50 </a:t>
+            </a:r>
+            <a:r>
+              <a:rPr lang="en-US" dirty="0" err="1" smtClean="0"/>
+              <a:t>mins</a:t>
             </a:r>
             <a:endParaRPr lang="en-US" dirty="0"/>
           </a:p>
@@ -5068,29 +5174,130 @@
           <a:lstStyle/>
           <a:p>
             <a:r>
-              <a:rPr lang="en-US" dirty="0" err="1" smtClean="0"/>
-              <a:t>motion跑几张图</a:t>
+              <a:rPr lang="en-US" dirty="0" smtClean="0"/>
+              <a:t>Un-uniform kernel ?</a:t>
             </a:r>
             <a:endParaRPr lang="en-US" dirty="0"/>
           </a:p>
         </p:txBody>
       </p:sp>
-      <p:sp>
-        <p:nvSpPr>
-          <p:cNvPr id="3" name="Content Placeholder 2"/>
-          <p:cNvSpPr>
-            <a:spLocks noGrp="1"/>
-          </p:cNvSpPr>
-          <p:nvPr>
-            <p:ph idx="1"/>
-          </p:nvPr>
-        </p:nvSpPr>
-        <p:spPr/>
-        <p:txBody>
-          <a:bodyPr/>
-          <a:lstStyle/>
-          <a:p>
-            <a:endParaRPr lang="en-US"/>
+      <p:pic>
+        <p:nvPicPr>
+          <p:cNvPr id="4" name="Picture 3" descr="caroriginal.png"/>
+          <p:cNvPicPr>
+            <a:picLocks noChangeAspect="1"/>
+          </p:cNvPicPr>
+          <p:nvPr/>
+        </p:nvPicPr>
+        <p:blipFill>
+          <a:blip r:embed="rId2">
+            <a:extLst>
+              <a:ext uri="{28A0092B-C50C-407E-A947-70E740481C1C}">
+                <a14:useLocalDpi xmlns:a14="http://schemas.microsoft.com/office/drawing/2010/main" val="0"/>
+              </a:ext>
+            </a:extLst>
+          </a:blip>
+          <a:stretch>
+            <a:fillRect/>
+          </a:stretch>
+        </p:blipFill>
+        <p:spPr>
+          <a:xfrm>
+            <a:off x="0" y="1417638"/>
+            <a:ext cx="5016854" cy="2627247"/>
+          </a:xfrm>
+          <a:prstGeom prst="rect">
+            <a:avLst/>
+          </a:prstGeom>
+        </p:spPr>
+      </p:pic>
+      <p:pic>
+        <p:nvPicPr>
+          <p:cNvPr id="5" name="Picture 4" descr="deblurredcar.png"/>
+          <p:cNvPicPr>
+            <a:picLocks noChangeAspect="1"/>
+          </p:cNvPicPr>
+          <p:nvPr/>
+        </p:nvPicPr>
+        <p:blipFill>
+          <a:blip r:embed="rId3">
+            <a:extLst>
+              <a:ext uri="{28A0092B-C50C-407E-A947-70E740481C1C}">
+                <a14:useLocalDpi xmlns:a14="http://schemas.microsoft.com/office/drawing/2010/main" val="0"/>
+              </a:ext>
+            </a:extLst>
+          </a:blip>
+          <a:stretch>
+            <a:fillRect/>
+          </a:stretch>
+        </p:blipFill>
+        <p:spPr>
+          <a:xfrm>
+            <a:off x="0" y="4230753"/>
+            <a:ext cx="5016854" cy="2627247"/>
+          </a:xfrm>
+          <a:prstGeom prst="rect">
+            <a:avLst/>
+          </a:prstGeom>
+        </p:spPr>
+      </p:pic>
+      <p:pic>
+        <p:nvPicPr>
+          <p:cNvPr id="6" name="Picture 5" descr="kernel.png"/>
+          <p:cNvPicPr>
+            <a:picLocks noChangeAspect="1"/>
+          </p:cNvPicPr>
+          <p:nvPr/>
+        </p:nvPicPr>
+        <p:blipFill>
+          <a:blip r:embed="rId4">
+            <a:extLst>
+              <a:ext uri="{28A0092B-C50C-407E-A947-70E740481C1C}">
+                <a14:useLocalDpi xmlns:a14="http://schemas.microsoft.com/office/drawing/2010/main" val="0"/>
+              </a:ext>
+            </a:extLst>
+          </a:blip>
+          <a:stretch>
+            <a:fillRect/>
+          </a:stretch>
+        </p:blipFill>
+        <p:spPr>
+          <a:xfrm>
+            <a:off x="5016854" y="1417638"/>
+            <a:ext cx="3543153" cy="2657365"/>
+          </a:xfrm>
+          <a:prstGeom prst="rect">
+            <a:avLst/>
+          </a:prstGeom>
+        </p:spPr>
+      </p:pic>
+      <p:sp>
+        <p:nvSpPr>
+          <p:cNvPr id="10" name="TextBox 9"/>
+          <p:cNvSpPr txBox="1"/>
+          <p:nvPr/>
+        </p:nvSpPr>
+        <p:spPr>
+          <a:xfrm>
+            <a:off x="5433980" y="5059094"/>
+            <a:ext cx="2716989" cy="646331"/>
+          </a:xfrm>
+          <a:prstGeom prst="rect">
+            <a:avLst/>
+          </a:prstGeom>
+          <a:noFill/>
+        </p:spPr>
+        <p:txBody>
+          <a:bodyPr wrap="square" rtlCol="0">
+            <a:spAutoFit/>
+          </a:bodyPr>
+          <a:lstStyle/>
+          <a:p>
+            <a:r>
+              <a:rPr lang="en-US" dirty="0" smtClean="0"/>
+              <a:t>Different kernel on the car and the clear background</a:t>
+            </a:r>
+            <a:endParaRPr lang="en-US" dirty="0"/>
           </a:p>
         </p:txBody>
       </p:sp>
@@ -5098,6 +5305,339 @@
     <p:extLst>
       <p:ext uri="{BB962C8B-B14F-4D97-AF65-F5344CB8AC3E}">
         <p14:creationId xmlns:p14="http://schemas.microsoft.com/office/powerpoint/2010/main" val="2354748175"/>
+      </p:ext>
+    </p:extLst>
+  </p:cSld>
+  <p:clrMapOvr>
+    <a:masterClrMapping/>
+  </p:clrMapOvr>
+</p:sld>
+</file>
+
+<file path=ppt/slides/slide15.xml><?xml version="1.0" encoding="utf-8"?>
+<p:sld xmlns:a="http://schemas.openxmlformats.org/drawingml/2006/main" xmlns:r="http://schemas.openxmlformats.org/officeDocument/2006/relationships" xmlns:p="http://schemas.openxmlformats.org/presentationml/2006/main">
+  <p:cSld>
+    <p:spTree>
+      <p:nvGrpSpPr>
+        <p:cNvPr id="1" name=""/>
+        <p:cNvGrpSpPr/>
+        <p:nvPr/>
+      </p:nvGrpSpPr>
+      <p:grpSpPr>
+        <a:xfrm>
+          <a:off x="0" y="0"/>
+          <a:ext cx="0" cy="0"/>
+          <a:chOff x="0" y="0"/>
+          <a:chExt cx="0" cy="0"/>
+        </a:xfrm>
+      </p:grpSpPr>
+      <p:sp>
+        <p:nvSpPr>
+          <p:cNvPr id="2" name="Title 1"/>
+          <p:cNvSpPr>
+            <a:spLocks noGrp="1"/>
+          </p:cNvSpPr>
+          <p:nvPr>
+            <p:ph type="title"/>
+          </p:nvPr>
+        </p:nvSpPr>
+        <p:spPr/>
+        <p:txBody>
+          <a:bodyPr/>
+          <a:lstStyle/>
+          <a:p>
+            <a:r>
+              <a:rPr lang="en-US" dirty="0" smtClean="0"/>
+              <a:t>Segment out the moving object ?</a:t>
+            </a:r>
+            <a:endParaRPr lang="en-US" dirty="0"/>
+          </a:p>
+        </p:txBody>
+      </p:sp>
+      <p:pic>
+        <p:nvPicPr>
+          <p:cNvPr id="4" name="Picture 3" descr="h_crop.png"/>
+          <p:cNvPicPr>
+            <a:picLocks noChangeAspect="1"/>
+          </p:cNvPicPr>
+          <p:nvPr/>
+        </p:nvPicPr>
+        <p:blipFill>
+          <a:blip r:embed="rId3">
+            <a:extLst>
+              <a:ext uri="{28A0092B-C50C-407E-A947-70E740481C1C}">
+                <a14:useLocalDpi xmlns:a14="http://schemas.microsoft.com/office/drawing/2010/main" val="0"/>
+              </a:ext>
+            </a:extLst>
+          </a:blip>
+          <a:stretch>
+            <a:fillRect/>
+          </a:stretch>
+        </p:blipFill>
+        <p:spPr>
+          <a:xfrm>
+            <a:off x="5033932" y="4203857"/>
+            <a:ext cx="3652868" cy="2373546"/>
+          </a:xfrm>
+          <a:prstGeom prst="rect">
+            <a:avLst/>
+          </a:prstGeom>
+        </p:spPr>
+      </p:pic>
+      <p:pic>
+        <p:nvPicPr>
+          <p:cNvPr id="6" name="Picture 5" descr="epll_cropcar.png"/>
+          <p:cNvPicPr>
+            <a:picLocks noChangeAspect="1"/>
+          </p:cNvPicPr>
+          <p:nvPr/>
+        </p:nvPicPr>
+        <p:blipFill>
+          <a:blip r:embed="rId4">
+            <a:extLst>
+              <a:ext uri="{28A0092B-C50C-407E-A947-70E740481C1C}">
+                <a14:useLocalDpi xmlns:a14="http://schemas.microsoft.com/office/drawing/2010/main" val="0"/>
+              </a:ext>
+            </a:extLst>
+          </a:blip>
+          <a:stretch>
+            <a:fillRect/>
+          </a:stretch>
+        </p:blipFill>
+        <p:spPr>
+          <a:xfrm>
+            <a:off x="4737438" y="2110908"/>
+            <a:ext cx="4406562" cy="1837859"/>
+          </a:xfrm>
+          <a:prstGeom prst="rect">
+            <a:avLst/>
+          </a:prstGeom>
+        </p:spPr>
+      </p:pic>
+      <p:pic>
+        <p:nvPicPr>
+          <p:cNvPr id="9" name="Picture 8" descr="car.png"/>
+          <p:cNvPicPr>
+            <a:picLocks noChangeAspect="1"/>
+          </p:cNvPicPr>
+          <p:nvPr/>
+        </p:nvPicPr>
+        <p:blipFill>
+          <a:blip r:embed="rId5">
+            <a:extLst>
+              <a:ext uri="{28A0092B-C50C-407E-A947-70E740481C1C}">
+                <a14:useLocalDpi xmlns:a14="http://schemas.microsoft.com/office/drawing/2010/main" val="0"/>
+              </a:ext>
+            </a:extLst>
+          </a:blip>
+          <a:stretch>
+            <a:fillRect/>
+          </a:stretch>
+        </p:blipFill>
+        <p:spPr>
+          <a:xfrm>
+            <a:off x="0" y="2110908"/>
+            <a:ext cx="4406563" cy="1837859"/>
+          </a:xfrm>
+          <a:prstGeom prst="rect">
+            <a:avLst/>
+          </a:prstGeom>
+        </p:spPr>
+      </p:pic>
+      <p:sp>
+        <p:nvSpPr>
+          <p:cNvPr id="10" name="TextBox 9"/>
+          <p:cNvSpPr txBox="1"/>
+          <p:nvPr/>
+        </p:nvSpPr>
+        <p:spPr>
+          <a:xfrm>
+            <a:off x="457200" y="4736754"/>
+            <a:ext cx="3750847" cy="923330"/>
+          </a:xfrm>
+          <a:prstGeom prst="rect">
+            <a:avLst/>
+          </a:prstGeom>
+          <a:noFill/>
+        </p:spPr>
+        <p:txBody>
+          <a:bodyPr wrap="none" rtlCol="0">
+            <a:spAutoFit/>
+          </a:bodyPr>
+          <a:lstStyle/>
+          <a:p>
+            <a:r>
+              <a:rPr lang="en-US" dirty="0" smtClean="0"/>
+              <a:t>Limitation 1:</a:t>
+            </a:r>
+          </a:p>
+          <a:p>
+            <a:endParaRPr lang="en-US" dirty="0"/>
+          </a:p>
+          <a:p>
+            <a:r>
+              <a:rPr lang="en-US" dirty="0" smtClean="0"/>
+              <a:t>The sub-image cannot be too smooth.</a:t>
+            </a:r>
+          </a:p>
+        </p:txBody>
+      </p:sp>
+    </p:spTree>
+    <p:extLst>
+      <p:ext uri="{BB962C8B-B14F-4D97-AF65-F5344CB8AC3E}">
+        <p14:creationId xmlns:p14="http://schemas.microsoft.com/office/powerpoint/2010/main" val="869897928"/>
+      </p:ext>
+    </p:extLst>
+  </p:cSld>
+  <p:clrMapOvr>
+    <a:masterClrMapping/>
+  </p:clrMapOvr>
+</p:sld>
+</file>
+
+<file path=ppt/slides/slide16.xml><?xml version="1.0" encoding="utf-8"?>
+<p:sld xmlns:a="http://schemas.openxmlformats.org/drawingml/2006/main" xmlns:r="http://schemas.openxmlformats.org/officeDocument/2006/relationships" xmlns:p="http://schemas.openxmlformats.org/presentationml/2006/main">
+  <p:cSld>
+    <p:spTree>
+      <p:nvGrpSpPr>
+        <p:cNvPr id="1" name=""/>
+        <p:cNvGrpSpPr/>
+        <p:nvPr/>
+      </p:nvGrpSpPr>
+      <p:grpSpPr>
+        <a:xfrm>
+          <a:off x="0" y="0"/>
+          <a:ext cx="0" cy="0"/>
+          <a:chOff x="0" y="0"/>
+          <a:chExt cx="0" cy="0"/>
+        </a:xfrm>
+      </p:grpSpPr>
+      <p:sp>
+        <p:nvSpPr>
+          <p:cNvPr id="2" name="Title 1"/>
+          <p:cNvSpPr>
+            <a:spLocks noGrp="1"/>
+          </p:cNvSpPr>
+          <p:nvPr>
+            <p:ph type="title"/>
+          </p:nvPr>
+        </p:nvSpPr>
+        <p:spPr/>
+        <p:txBody>
+          <a:bodyPr/>
+          <a:lstStyle/>
+          <a:p>
+            <a:r>
+              <a:rPr lang="en-US" dirty="0" smtClean="0"/>
+              <a:t>Grid of spatial localized kernel ? </a:t>
+            </a:r>
+            <a:endParaRPr lang="en-US" dirty="0"/>
+          </a:p>
+        </p:txBody>
+      </p:sp>
+      <p:pic>
+        <p:nvPicPr>
+          <p:cNvPr id="6" name="Picture 5" descr="grid.png"/>
+          <p:cNvPicPr>
+            <a:picLocks noChangeAspect="1"/>
+          </p:cNvPicPr>
+          <p:nvPr/>
+        </p:nvPicPr>
+        <p:blipFill>
+          <a:blip r:embed="rId2">
+            <a:extLst>
+              <a:ext uri="{28A0092B-C50C-407E-A947-70E740481C1C}">
+                <a14:useLocalDpi xmlns:a14="http://schemas.microsoft.com/office/drawing/2010/main" val="0"/>
+              </a:ext>
+            </a:extLst>
+          </a:blip>
+          <a:stretch>
+            <a:fillRect/>
+          </a:stretch>
+        </p:blipFill>
+        <p:spPr>
+          <a:xfrm>
+            <a:off x="4636602" y="4024571"/>
+            <a:ext cx="4507398" cy="2833429"/>
+          </a:xfrm>
+          <a:prstGeom prst="rect">
+            <a:avLst/>
+          </a:prstGeom>
+        </p:spPr>
+      </p:pic>
+      <p:pic>
+        <p:nvPicPr>
+          <p:cNvPr id="7" name="Picture 6" descr="bike.png"/>
+          <p:cNvPicPr>
+            <a:picLocks noChangeAspect="1"/>
+          </p:cNvPicPr>
+          <p:nvPr/>
+        </p:nvPicPr>
+        <p:blipFill>
+          <a:blip r:embed="rId3">
+            <a:extLst>
+              <a:ext uri="{28A0092B-C50C-407E-A947-70E740481C1C}">
+                <a14:useLocalDpi xmlns:a14="http://schemas.microsoft.com/office/drawing/2010/main" val="0"/>
+              </a:ext>
+            </a:extLst>
+          </a:blip>
+          <a:stretch>
+            <a:fillRect/>
+          </a:stretch>
+        </p:blipFill>
+        <p:spPr>
+          <a:xfrm>
+            <a:off x="4636603" y="1191142"/>
+            <a:ext cx="4507398" cy="2833429"/>
+          </a:xfrm>
+          <a:prstGeom prst="rect">
+            <a:avLst/>
+          </a:prstGeom>
+        </p:spPr>
+      </p:pic>
+      <p:sp>
+        <p:nvSpPr>
+          <p:cNvPr id="8" name="TextBox 7"/>
+          <p:cNvSpPr txBox="1"/>
+          <p:nvPr/>
+        </p:nvSpPr>
+        <p:spPr>
+          <a:xfrm>
+            <a:off x="457200" y="3285907"/>
+            <a:ext cx="3715658" cy="1477328"/>
+          </a:xfrm>
+          <a:prstGeom prst="rect">
+            <a:avLst/>
+          </a:prstGeom>
+          <a:noFill/>
+        </p:spPr>
+        <p:txBody>
+          <a:bodyPr wrap="square" rtlCol="0">
+            <a:spAutoFit/>
+          </a:bodyPr>
+          <a:lstStyle/>
+          <a:p>
+            <a:r>
+              <a:rPr lang="en-US" dirty="0" smtClean="0"/>
+              <a:t>Limitation 2:</a:t>
+            </a:r>
+          </a:p>
+          <a:p>
+            <a:endParaRPr lang="en-US" dirty="0"/>
+          </a:p>
+          <a:p>
+            <a:r>
+              <a:rPr lang="en-US" dirty="0" smtClean="0"/>
+              <a:t>Each grid of sub-image being too small to provide enough information for nearest-neighbor patch matching.</a:t>
+            </a:r>
+            <a:endParaRPr lang="en-US" dirty="0"/>
+          </a:p>
+        </p:txBody>
+      </p:sp>
+    </p:spTree>
+    <p:extLst>
+      <p:ext uri="{BB962C8B-B14F-4D97-AF65-F5344CB8AC3E}">
+        <p14:creationId xmlns:p14="http://schemas.microsoft.com/office/powerpoint/2010/main" val="86758758"/>
       </p:ext>
     </p:extLst>
   </p:cSld>

--- a/Paper_Presentation_pdf/presentation/ECE 590_Team 3_Presentation_final.pptx
+++ b/Paper_Presentation_pdf/presentation/ECE 590_Team 3_Presentation_final.pptx
@@ -9,8 +9,8 @@
   </p:notesMasterIdLst>
   <p:sldIdLst>
     <p:sldId id="256" r:id="rId2"/>
-    <p:sldId id="271" r:id="rId3"/>
-    <p:sldId id="272" r:id="rId4"/>
+    <p:sldId id="272" r:id="rId3"/>
+    <p:sldId id="271" r:id="rId4"/>
     <p:sldId id="257" r:id="rId5"/>
     <p:sldId id="261" r:id="rId6"/>
     <p:sldId id="262" r:id="rId7"/>
@@ -213,7 +213,7 @@
           <a:p>
             <a:fld id="{9AD25FD3-BFCF-CF4A-9B89-46B09B356939}" type="datetimeFigureOut">
               <a:rPr lang="en-US" smtClean="0"/>
-              <a:t>4/9/15</a:t>
+              <a:t>4/10/15</a:t>
             </a:fld>
             <a:endParaRPr lang="en-US"/>
           </a:p>
@@ -602,7 +602,7 @@
           <a:p>
             <a:fld id="{FBE422AC-62A6-4154-A016-C5BB8341F6F1}" type="slidenum">
               <a:rPr lang="zh-CN" altLang="en-US" smtClean="0"/>
-              <a:t>2</a:t>
+              <a:t>3</a:t>
             </a:fld>
             <a:endParaRPr lang="zh-CN" altLang="en-US"/>
           </a:p>
@@ -886,7 +886,7 @@
           <a:p>
             <a:fld id="{70FAA508-F0CD-46EA-95FB-26B559A0B5D9}" type="datetimeFigureOut">
               <a:rPr lang="en-US" smtClean="0"/>
-              <a:t>4/9/15</a:t>
+              <a:t>4/10/15</a:t>
             </a:fld>
             <a:endParaRPr lang="en-US"/>
           </a:p>
@@ -1056,7 +1056,7 @@
           <a:p>
             <a:fld id="{70FAA508-F0CD-46EA-95FB-26B559A0B5D9}" type="datetimeFigureOut">
               <a:rPr lang="en-US" smtClean="0"/>
-              <a:t>4/9/15</a:t>
+              <a:t>4/10/15</a:t>
             </a:fld>
             <a:endParaRPr lang="en-US"/>
           </a:p>
@@ -1236,7 +1236,7 @@
           <a:p>
             <a:fld id="{70FAA508-F0CD-46EA-95FB-26B559A0B5D9}" type="datetimeFigureOut">
               <a:rPr lang="en-US" smtClean="0"/>
-              <a:t>4/9/15</a:t>
+              <a:t>4/10/15</a:t>
             </a:fld>
             <a:endParaRPr lang="en-US"/>
           </a:p>
@@ -1406,7 +1406,7 @@
           <a:p>
             <a:fld id="{70FAA508-F0CD-46EA-95FB-26B559A0B5D9}" type="datetimeFigureOut">
               <a:rPr lang="en-US" smtClean="0"/>
-              <a:t>4/9/15</a:t>
+              <a:t>4/10/15</a:t>
             </a:fld>
             <a:endParaRPr lang="en-US"/>
           </a:p>
@@ -1652,7 +1652,7 @@
           <a:p>
             <a:fld id="{70FAA508-F0CD-46EA-95FB-26B559A0B5D9}" type="datetimeFigureOut">
               <a:rPr lang="en-US" smtClean="0"/>
-              <a:t>4/9/15</a:t>
+              <a:t>4/10/15</a:t>
             </a:fld>
             <a:endParaRPr lang="en-US"/>
           </a:p>
@@ -1940,7 +1940,7 @@
           <a:p>
             <a:fld id="{70FAA508-F0CD-46EA-95FB-26B559A0B5D9}" type="datetimeFigureOut">
               <a:rPr lang="en-US" smtClean="0"/>
-              <a:t>4/9/15</a:t>
+              <a:t>4/10/15</a:t>
             </a:fld>
             <a:endParaRPr lang="en-US"/>
           </a:p>
@@ -2362,7 +2362,7 @@
           <a:p>
             <a:fld id="{70FAA508-F0CD-46EA-95FB-26B559A0B5D9}" type="datetimeFigureOut">
               <a:rPr lang="en-US" smtClean="0"/>
-              <a:t>4/9/15</a:t>
+              <a:t>4/10/15</a:t>
             </a:fld>
             <a:endParaRPr lang="en-US"/>
           </a:p>
@@ -2480,7 +2480,7 @@
           <a:p>
             <a:fld id="{70FAA508-F0CD-46EA-95FB-26B559A0B5D9}" type="datetimeFigureOut">
               <a:rPr lang="en-US" smtClean="0"/>
-              <a:t>4/9/15</a:t>
+              <a:t>4/10/15</a:t>
             </a:fld>
             <a:endParaRPr lang="en-US"/>
           </a:p>
@@ -2575,7 +2575,7 @@
           <a:p>
             <a:fld id="{70FAA508-F0CD-46EA-95FB-26B559A0B5D9}" type="datetimeFigureOut">
               <a:rPr lang="en-US" smtClean="0"/>
-              <a:t>4/9/15</a:t>
+              <a:t>4/10/15</a:t>
             </a:fld>
             <a:endParaRPr lang="en-US"/>
           </a:p>
@@ -2852,7 +2852,7 @@
           <a:p>
             <a:fld id="{70FAA508-F0CD-46EA-95FB-26B559A0B5D9}" type="datetimeFigureOut">
               <a:rPr lang="en-US" smtClean="0"/>
-              <a:t>4/9/15</a:t>
+              <a:t>4/10/15</a:t>
             </a:fld>
             <a:endParaRPr lang="en-US"/>
           </a:p>
@@ -3105,7 +3105,7 @@
           <a:p>
             <a:fld id="{70FAA508-F0CD-46EA-95FB-26B559A0B5D9}" type="datetimeFigureOut">
               <a:rPr lang="en-US" smtClean="0"/>
-              <a:t>4/9/15</a:t>
+              <a:t>4/10/15</a:t>
             </a:fld>
             <a:endParaRPr lang="en-US"/>
           </a:p>
@@ -3318,7 +3318,7 @@
           <a:p>
             <a:fld id="{70FAA508-F0CD-46EA-95FB-26B559A0B5D9}" type="datetimeFigureOut">
               <a:rPr lang="en-US" smtClean="0"/>
-              <a:t>4/9/15</a:t>
+              <a:t>4/10/15</a:t>
             </a:fld>
             <a:endParaRPr lang="en-US"/>
           </a:p>
@@ -3797,6 +3797,13 @@
   <p:clrMapOvr>
     <a:masterClrMapping/>
   </p:clrMapOvr>
+  <p:timing>
+    <p:tnLst>
+      <p:par>
+        <p:cTn xmlns:p14="http://schemas.microsoft.com/office/powerpoint/2010/main" id="1" dur="indefinite" restart="never" nodeType="tmRoot"/>
+      </p:par>
+    </p:tnLst>
+  </p:timing>
 </p:sld>
 </file>
 
@@ -4153,6 +4160,13 @@
   <p:clrMapOvr>
     <a:masterClrMapping/>
   </p:clrMapOvr>
+  <p:timing>
+    <p:tnLst>
+      <p:par>
+        <p:cTn xmlns:p14="http://schemas.microsoft.com/office/powerpoint/2010/main" id="1" dur="indefinite" restart="never" nodeType="tmRoot"/>
+      </p:par>
+    </p:tnLst>
+  </p:timing>
 </p:sld>
 </file>
 
@@ -4436,6 +4450,13 @@
   <p:clrMapOvr>
     <a:masterClrMapping/>
   </p:clrMapOvr>
+  <p:timing>
+    <p:tnLst>
+      <p:par>
+        <p:cTn xmlns:p14="http://schemas.microsoft.com/office/powerpoint/2010/main" id="1" dur="indefinite" restart="never" nodeType="tmRoot"/>
+      </p:par>
+    </p:tnLst>
+  </p:timing>
 </p:sld>
 </file>
 
@@ -4837,6 +4858,13 @@
   <p:clrMapOvr>
     <a:masterClrMapping/>
   </p:clrMapOvr>
+  <p:timing>
+    <p:tnLst>
+      <p:par>
+        <p:cTn xmlns:p14="http://schemas.microsoft.com/office/powerpoint/2010/main" id="1" dur="indefinite" restart="never" nodeType="tmRoot"/>
+      </p:par>
+    </p:tnLst>
+  </p:timing>
 </p:sld>
 </file>
 
@@ -5138,6 +5166,13 @@
   <p:clrMapOvr>
     <a:masterClrMapping/>
   </p:clrMapOvr>
+  <p:timing>
+    <p:tnLst>
+      <p:par>
+        <p:cTn xmlns:p14="http://schemas.microsoft.com/office/powerpoint/2010/main" id="1" dur="indefinite" restart="never" nodeType="tmRoot"/>
+      </p:par>
+    </p:tnLst>
+  </p:timing>
 </p:sld>
 </file>
 
@@ -5311,6 +5346,13 @@
   <p:clrMapOvr>
     <a:masterClrMapping/>
   </p:clrMapOvr>
+  <p:timing>
+    <p:tnLst>
+      <p:par>
+        <p:cTn xmlns:p14="http://schemas.microsoft.com/office/powerpoint/2010/main" id="1" dur="indefinite" restart="never" nodeType="tmRoot"/>
+      </p:par>
+    </p:tnLst>
+  </p:timing>
 </p:sld>
 </file>
 
@@ -5492,6 +5534,13 @@
   <p:clrMapOvr>
     <a:masterClrMapping/>
   </p:clrMapOvr>
+  <p:timing>
+    <p:tnLst>
+      <p:par>
+        <p:cTn xmlns:p14="http://schemas.microsoft.com/office/powerpoint/2010/main" id="1" dur="indefinite" restart="never" nodeType="tmRoot"/>
+      </p:par>
+    </p:tnLst>
+  </p:timing>
 </p:sld>
 </file>
 
@@ -5644,10 +5693,251 @@
   <p:clrMapOvr>
     <a:masterClrMapping/>
   </p:clrMapOvr>
+  <p:timing>
+    <p:tnLst>
+      <p:par>
+        <p:cTn xmlns:p14="http://schemas.microsoft.com/office/powerpoint/2010/main" id="1" dur="indefinite" restart="never" nodeType="tmRoot"/>
+      </p:par>
+    </p:tnLst>
+  </p:timing>
 </p:sld>
 </file>
 
 <file path=ppt/slides/slide2.xml><?xml version="1.0" encoding="utf-8"?>
+<p:sld xmlns:a="http://schemas.openxmlformats.org/drawingml/2006/main" xmlns:r="http://schemas.openxmlformats.org/officeDocument/2006/relationships" xmlns:p="http://schemas.openxmlformats.org/presentationml/2006/main">
+  <p:cSld>
+    <p:spTree>
+      <p:nvGrpSpPr>
+        <p:cNvPr id="1" name=""/>
+        <p:cNvGrpSpPr/>
+        <p:nvPr/>
+      </p:nvGrpSpPr>
+      <p:grpSpPr>
+        <a:xfrm>
+          <a:off x="0" y="0"/>
+          <a:ext cx="0" cy="0"/>
+          <a:chOff x="0" y="0"/>
+          <a:chExt cx="0" cy="0"/>
+        </a:xfrm>
+      </p:grpSpPr>
+      <p:sp>
+        <p:nvSpPr>
+          <p:cNvPr id="2" name="Title 1"/>
+          <p:cNvSpPr>
+            <a:spLocks noGrp="1"/>
+          </p:cNvSpPr>
+          <p:nvPr>
+            <p:ph type="title"/>
+          </p:nvPr>
+        </p:nvSpPr>
+        <p:spPr/>
+        <p:txBody>
+          <a:bodyPr/>
+          <a:lstStyle/>
+          <a:p>
+            <a:r>
+              <a:rPr lang="en-US" dirty="0" smtClean="0"/>
+              <a:t>Presumption of the </a:t>
+            </a:r>
+            <a:r>
+              <a:rPr lang="en-US" dirty="0" err="1" smtClean="0"/>
+              <a:t>Deblurring</a:t>
+            </a:r>
+            <a:r>
+              <a:rPr lang="en-US" dirty="0" smtClean="0"/>
+              <a:t> </a:t>
+            </a:r>
+            <a:endParaRPr lang="en-US" dirty="0"/>
+          </a:p>
+        </p:txBody>
+      </p:sp>
+      <p:pic>
+        <p:nvPicPr>
+          <p:cNvPr id="4" name="Picture 3" descr="Screen Shot 2015-04-09 at 7.13.44 PM.png"/>
+          <p:cNvPicPr>
+            <a:picLocks noChangeAspect="1"/>
+          </p:cNvPicPr>
+          <p:nvPr/>
+        </p:nvPicPr>
+        <p:blipFill>
+          <a:blip r:embed="rId2" cstate="email">
+            <a:extLst>
+              <a:ext uri="{28A0092B-C50C-407E-A947-70E740481C1C}">
+                <a14:useLocalDpi xmlns:a14="http://schemas.microsoft.com/office/drawing/2010/main" val="0"/>
+              </a:ext>
+            </a:extLst>
+          </a:blip>
+          <a:stretch>
+            <a:fillRect/>
+          </a:stretch>
+        </p:blipFill>
+        <p:spPr>
+          <a:xfrm>
+            <a:off x="1481340" y="2277248"/>
+            <a:ext cx="5570281" cy="3820056"/>
+          </a:xfrm>
+          <a:prstGeom prst="rect">
+            <a:avLst/>
+          </a:prstGeom>
+        </p:spPr>
+      </p:pic>
+      <p:sp>
+        <p:nvSpPr>
+          <p:cNvPr id="5" name="TextBox 4"/>
+          <p:cNvSpPr txBox="1"/>
+          <p:nvPr/>
+        </p:nvSpPr>
+        <p:spPr>
+          <a:xfrm>
+            <a:off x="1481340" y="1353918"/>
+            <a:ext cx="4625433" cy="923330"/>
+          </a:xfrm>
+          <a:prstGeom prst="rect">
+            <a:avLst/>
+          </a:prstGeom>
+          <a:noFill/>
+        </p:spPr>
+        <p:txBody>
+          <a:bodyPr wrap="none" rtlCol="0">
+            <a:spAutoFit/>
+          </a:bodyPr>
+          <a:lstStyle/>
+          <a:p>
+            <a:pPr marL="285750" indent="-285750">
+              <a:buFont typeface="Arial" pitchFamily="34" charset="0"/>
+              <a:buChar char="•"/>
+            </a:pPr>
+            <a:r>
+              <a:rPr lang="en-US" dirty="0" smtClean="0"/>
+              <a:t>Hand</a:t>
+            </a:r>
+            <a:r>
+              <a:rPr lang="zh-CN" altLang="en-US" dirty="0" smtClean="0"/>
+              <a:t> </a:t>
+            </a:r>
+            <a:r>
+              <a:rPr lang="en-US" altLang="zh-CN" dirty="0" smtClean="0"/>
+              <a:t>shake</a:t>
+            </a:r>
+            <a:r>
+              <a:rPr lang="zh-CN" altLang="en-US" dirty="0" smtClean="0"/>
+              <a:t> </a:t>
+            </a:r>
+            <a:r>
+              <a:rPr lang="en-US" altLang="zh-CN" dirty="0" smtClean="0"/>
+              <a:t>blur</a:t>
+            </a:r>
+            <a:endParaRPr lang="en-US" altLang="zh-CN" dirty="0"/>
+          </a:p>
+          <a:p>
+            <a:pPr marL="285750" indent="-285750">
+              <a:buFont typeface="Arial" pitchFamily="34" charset="0"/>
+              <a:buChar char="•"/>
+            </a:pPr>
+            <a:r>
+              <a:rPr lang="en-US" altLang="zh-CN" dirty="0" smtClean="0"/>
+              <a:t>Out</a:t>
+            </a:r>
+            <a:r>
+              <a:rPr lang="zh-CN" altLang="en-US" dirty="0" smtClean="0"/>
+              <a:t> </a:t>
+            </a:r>
+            <a:r>
+              <a:rPr lang="en-US" altLang="zh-CN" dirty="0" smtClean="0"/>
+              <a:t>of</a:t>
+            </a:r>
+            <a:r>
+              <a:rPr lang="zh-CN" altLang="en-US" dirty="0" smtClean="0"/>
+              <a:t> </a:t>
+            </a:r>
+            <a:r>
+              <a:rPr lang="en-US" altLang="zh-CN" dirty="0" smtClean="0"/>
+              <a:t>focus</a:t>
+            </a:r>
+            <a:r>
+              <a:rPr lang="zh-CN" altLang="en-US" dirty="0" smtClean="0"/>
+              <a:t> </a:t>
+            </a:r>
+            <a:r>
+              <a:rPr lang="en-US" altLang="zh-CN" dirty="0" smtClean="0"/>
+              <a:t>blur</a:t>
+            </a:r>
+            <a:r>
+              <a:rPr lang="zh-CN" altLang="en-US" dirty="0" smtClean="0"/>
+              <a:t> </a:t>
+            </a:r>
+            <a:r>
+              <a:rPr lang="en-US" altLang="zh-CN" dirty="0" smtClean="0"/>
+              <a:t>with</a:t>
+            </a:r>
+            <a:r>
+              <a:rPr lang="zh-CN" altLang="en-US" dirty="0" smtClean="0"/>
+              <a:t> </a:t>
+            </a:r>
+            <a:r>
+              <a:rPr lang="en-US" altLang="zh-CN" dirty="0" smtClean="0"/>
+              <a:t>little</a:t>
+            </a:r>
+            <a:r>
+              <a:rPr lang="zh-CN" altLang="en-US" dirty="0" smtClean="0"/>
+              <a:t> </a:t>
+            </a:r>
+            <a:r>
+              <a:rPr lang="en-US" altLang="zh-CN" dirty="0" smtClean="0"/>
+              <a:t>depths</a:t>
+            </a:r>
+            <a:r>
+              <a:rPr lang="zh-CN" altLang="en-US" dirty="0" smtClean="0"/>
+              <a:t> </a:t>
+            </a:r>
+            <a:r>
+              <a:rPr lang="en-US" altLang="zh-CN" dirty="0" smtClean="0"/>
+              <a:t>of</a:t>
+            </a:r>
+            <a:r>
+              <a:rPr lang="zh-CN" altLang="en-US" dirty="0" smtClean="0"/>
+              <a:t> </a:t>
+            </a:r>
+            <a:r>
+              <a:rPr lang="en-US" altLang="zh-CN" dirty="0" smtClean="0"/>
+              <a:t>fields</a:t>
+            </a:r>
+            <a:r>
+              <a:rPr lang="zh-CN" altLang="en-US" dirty="0" smtClean="0"/>
+              <a:t>   </a:t>
+            </a:r>
+            <a:endParaRPr lang="en-US" altLang="zh-CN" dirty="0" smtClean="0"/>
+          </a:p>
+          <a:p>
+            <a:r>
+              <a:rPr lang="zh-CN" altLang="en-US" dirty="0" smtClean="0"/>
+              <a:t> </a:t>
+            </a:r>
+            <a:endParaRPr lang="en-US" dirty="0"/>
+          </a:p>
+        </p:txBody>
+      </p:sp>
+    </p:spTree>
+    <p:extLst>
+      <p:ext uri="{BB962C8B-B14F-4D97-AF65-F5344CB8AC3E}">
+        <p14:creationId xmlns:p14="http://schemas.microsoft.com/office/powerpoint/2010/main" val="353346647"/>
+      </p:ext>
+    </p:extLst>
+  </p:cSld>
+  <p:clrMapOvr>
+    <a:masterClrMapping/>
+  </p:clrMapOvr>
+  <p:timing>
+    <p:tnLst>
+      <p:par>
+        <p:cTn xmlns:p14="http://schemas.microsoft.com/office/powerpoint/2010/main" id="1" dur="indefinite" restart="never" nodeType="tmRoot"/>
+      </p:par>
+    </p:tnLst>
+  </p:timing>
+</p:sld>
+</file>
+
+<file path=ppt/slides/slide3.xml><?xml version="1.0" encoding="utf-8"?>
 <p:sld xmlns:a="http://schemas.openxmlformats.org/drawingml/2006/main" xmlns:r="http://schemas.openxmlformats.org/officeDocument/2006/relationships" xmlns:p="http://schemas.openxmlformats.org/presentationml/2006/main">
   <p:cSld>
     <p:spTree>
@@ -6016,233 +6306,13 @@
   <p:clrMapOvr>
     <a:masterClrMapping/>
   </p:clrMapOvr>
-</p:sld>
-</file>
-
-<file path=ppt/slides/slide3.xml><?xml version="1.0" encoding="utf-8"?>
-<p:sld xmlns:a="http://schemas.openxmlformats.org/drawingml/2006/main" xmlns:r="http://schemas.openxmlformats.org/officeDocument/2006/relationships" xmlns:p="http://schemas.openxmlformats.org/presentationml/2006/main">
-  <p:cSld>
-    <p:spTree>
-      <p:nvGrpSpPr>
-        <p:cNvPr id="1" name=""/>
-        <p:cNvGrpSpPr/>
-        <p:nvPr/>
-      </p:nvGrpSpPr>
-      <p:grpSpPr>
-        <a:xfrm>
-          <a:off x="0" y="0"/>
-          <a:ext cx="0" cy="0"/>
-          <a:chOff x="0" y="0"/>
-          <a:chExt cx="0" cy="0"/>
-        </a:xfrm>
-      </p:grpSpPr>
-      <p:sp>
-        <p:nvSpPr>
-          <p:cNvPr id="2" name="Title 1"/>
-          <p:cNvSpPr>
-            <a:spLocks noGrp="1"/>
-          </p:cNvSpPr>
-          <p:nvPr>
-            <p:ph type="title"/>
-          </p:nvPr>
-        </p:nvSpPr>
-        <p:spPr/>
-        <p:txBody>
-          <a:bodyPr/>
-          <a:lstStyle/>
-          <a:p>
-            <a:r>
-              <a:rPr lang="en-US" dirty="0" smtClean="0"/>
-              <a:t>Presumption of the </a:t>
-            </a:r>
-            <a:r>
-              <a:rPr lang="en-US" dirty="0" err="1" smtClean="0"/>
-              <a:t>Deblurring</a:t>
-            </a:r>
-            <a:r>
-              <a:rPr lang="en-US" dirty="0" smtClean="0"/>
-              <a:t> </a:t>
-            </a:r>
-            <a:endParaRPr lang="en-US" dirty="0"/>
-          </a:p>
-        </p:txBody>
-      </p:sp>
-      <p:pic>
-        <p:nvPicPr>
-          <p:cNvPr id="4" name="Picture 3" descr="Screen Shot 2015-04-09 at 7.13.44 PM.png"/>
-          <p:cNvPicPr>
-            <a:picLocks noChangeAspect="1"/>
-          </p:cNvPicPr>
-          <p:nvPr/>
-        </p:nvPicPr>
-        <p:blipFill>
-          <a:blip r:embed="rId2" cstate="email">
-            <a:extLst>
-              <a:ext uri="{28A0092B-C50C-407E-A947-70E740481C1C}">
-                <a14:useLocalDpi xmlns:a14="http://schemas.microsoft.com/office/drawing/2010/main" val="0"/>
-              </a:ext>
-            </a:extLst>
-          </a:blip>
-          <a:stretch>
-            <a:fillRect/>
-          </a:stretch>
-        </p:blipFill>
-        <p:spPr>
-          <a:xfrm>
-            <a:off x="1481340" y="2277248"/>
-            <a:ext cx="5570281" cy="3820056"/>
-          </a:xfrm>
-          <a:prstGeom prst="rect">
-            <a:avLst/>
-          </a:prstGeom>
-        </p:spPr>
-      </p:pic>
-      <p:sp>
-        <p:nvSpPr>
-          <p:cNvPr id="5" name="TextBox 4"/>
-          <p:cNvSpPr txBox="1"/>
-          <p:nvPr/>
-        </p:nvSpPr>
-        <p:spPr>
-          <a:xfrm>
-            <a:off x="1481340" y="1353918"/>
-            <a:ext cx="4625433" cy="923330"/>
-          </a:xfrm>
-          <a:prstGeom prst="rect">
-            <a:avLst/>
-          </a:prstGeom>
-          <a:noFill/>
-        </p:spPr>
-        <p:txBody>
-          <a:bodyPr wrap="none" rtlCol="0">
-            <a:spAutoFit/>
-          </a:bodyPr>
-          <a:lstStyle/>
-          <a:p>
-            <a:pPr marL="285750" indent="-285750">
-              <a:buFont typeface="Arial" pitchFamily="34" charset="0"/>
-              <a:buChar char="•"/>
-            </a:pPr>
-            <a:r>
-              <a:rPr lang="en-US" dirty="0" smtClean="0"/>
-              <a:t>Hand</a:t>
-            </a:r>
-            <a:r>
-              <a:rPr lang="zh-CN" altLang="en-US" dirty="0" smtClean="0"/>
-              <a:t> </a:t>
-            </a:r>
-            <a:r>
-              <a:rPr lang="en-US" altLang="zh-CN" dirty="0" smtClean="0"/>
-              <a:t>shake</a:t>
-            </a:r>
-            <a:r>
-              <a:rPr lang="zh-CN" altLang="en-US" dirty="0" smtClean="0"/>
-              <a:t> </a:t>
-            </a:r>
-            <a:r>
-              <a:rPr lang="en-US" altLang="zh-CN" dirty="0" smtClean="0"/>
-              <a:t>blur</a:t>
-            </a:r>
-            <a:endParaRPr lang="en-US" altLang="zh-CN" dirty="0"/>
-          </a:p>
-          <a:p>
-            <a:pPr marL="285750" indent="-285750">
-              <a:buFont typeface="Arial" pitchFamily="34" charset="0"/>
-              <a:buChar char="•"/>
-            </a:pPr>
-            <a:r>
-              <a:rPr lang="en-US" altLang="zh-CN" dirty="0" smtClean="0"/>
-              <a:t>Out</a:t>
-            </a:r>
-            <a:r>
-              <a:rPr lang="zh-CN" altLang="en-US" dirty="0" smtClean="0"/>
-              <a:t> </a:t>
-            </a:r>
-            <a:r>
-              <a:rPr lang="en-US" altLang="zh-CN" dirty="0" smtClean="0"/>
-              <a:t>of</a:t>
-            </a:r>
-            <a:r>
-              <a:rPr lang="zh-CN" altLang="en-US" dirty="0" smtClean="0"/>
-              <a:t> </a:t>
-            </a:r>
-            <a:r>
-              <a:rPr lang="en-US" altLang="zh-CN" dirty="0" smtClean="0"/>
-              <a:t>focus</a:t>
-            </a:r>
-            <a:r>
-              <a:rPr lang="zh-CN" altLang="en-US" dirty="0" smtClean="0"/>
-              <a:t> </a:t>
-            </a:r>
-            <a:r>
-              <a:rPr lang="en-US" altLang="zh-CN" dirty="0" smtClean="0"/>
-              <a:t>blur</a:t>
-            </a:r>
-            <a:r>
-              <a:rPr lang="zh-CN" altLang="en-US" dirty="0" smtClean="0"/>
-              <a:t> </a:t>
-            </a:r>
-            <a:r>
-              <a:rPr lang="en-US" altLang="zh-CN" dirty="0" smtClean="0"/>
-              <a:t>with</a:t>
-            </a:r>
-            <a:r>
-              <a:rPr lang="zh-CN" altLang="en-US" dirty="0" smtClean="0"/>
-              <a:t> </a:t>
-            </a:r>
-            <a:r>
-              <a:rPr lang="en-US" altLang="zh-CN" dirty="0" smtClean="0"/>
-              <a:t>little</a:t>
-            </a:r>
-            <a:r>
-              <a:rPr lang="zh-CN" altLang="en-US" dirty="0" smtClean="0"/>
-              <a:t> </a:t>
-            </a:r>
-            <a:r>
-              <a:rPr lang="en-US" altLang="zh-CN" dirty="0" smtClean="0"/>
-              <a:t>depths</a:t>
-            </a:r>
-            <a:r>
-              <a:rPr lang="zh-CN" altLang="en-US" dirty="0" smtClean="0"/>
-              <a:t> </a:t>
-            </a:r>
-            <a:r>
-              <a:rPr lang="en-US" altLang="zh-CN" dirty="0" smtClean="0"/>
-              <a:t>of</a:t>
-            </a:r>
-            <a:r>
-              <a:rPr lang="zh-CN" altLang="en-US" dirty="0" smtClean="0"/>
-              <a:t> </a:t>
-            </a:r>
-            <a:r>
-              <a:rPr lang="en-US" altLang="zh-CN" dirty="0" smtClean="0"/>
-              <a:t>fields</a:t>
-            </a:r>
-            <a:r>
-              <a:rPr lang="zh-CN" altLang="en-US" dirty="0" smtClean="0"/>
-              <a:t>   </a:t>
-            </a:r>
-            <a:endParaRPr lang="en-US" altLang="zh-CN" dirty="0" smtClean="0"/>
-          </a:p>
-          <a:p>
-            <a:r>
-              <a:rPr lang="zh-CN" altLang="en-US" dirty="0" smtClean="0"/>
-              <a:t> </a:t>
-            </a:r>
-            <a:endParaRPr lang="en-US" dirty="0"/>
-          </a:p>
-        </p:txBody>
-      </p:sp>
-    </p:spTree>
-    <p:extLst>
-      <p:ext uri="{BB962C8B-B14F-4D97-AF65-F5344CB8AC3E}">
-        <p14:creationId xmlns:p14="http://schemas.microsoft.com/office/powerpoint/2010/main" val="353346647"/>
-      </p:ext>
-    </p:extLst>
-  </p:cSld>
-  <p:clrMapOvr>
-    <a:masterClrMapping/>
-  </p:clrMapOvr>
+  <p:timing>
+    <p:tnLst>
+      <p:par>
+        <p:cTn xmlns:p14="http://schemas.microsoft.com/office/powerpoint/2010/main" id="1" dur="indefinite" restart="never" nodeType="tmRoot"/>
+      </p:par>
+    </p:tnLst>
+  </p:timing>
 </p:sld>
 </file>
 
@@ -6454,6 +6524,13 @@
   <p:clrMapOvr>
     <a:masterClrMapping/>
   </p:clrMapOvr>
+  <p:timing>
+    <p:tnLst>
+      <p:par>
+        <p:cTn xmlns:p14="http://schemas.microsoft.com/office/powerpoint/2010/main" id="1" dur="indefinite" restart="never" nodeType="tmRoot"/>
+      </p:par>
+    </p:tnLst>
+  </p:timing>
 </p:sld>
 </file>
 
@@ -6643,6 +6720,13 @@
   <p:clrMapOvr>
     <a:masterClrMapping/>
   </p:clrMapOvr>
+  <p:timing>
+    <p:tnLst>
+      <p:par>
+        <p:cTn xmlns:p14="http://schemas.microsoft.com/office/powerpoint/2010/main" id="1" dur="indefinite" restart="never" nodeType="tmRoot"/>
+      </p:par>
+    </p:tnLst>
+  </p:timing>
 </p:sld>
 </file>
 
@@ -6831,6 +6915,13 @@
   <p:clrMapOvr>
     <a:masterClrMapping/>
   </p:clrMapOvr>
+  <p:timing>
+    <p:tnLst>
+      <p:par>
+        <p:cTn xmlns:p14="http://schemas.microsoft.com/office/powerpoint/2010/main" id="1" dur="indefinite" restart="never" nodeType="tmRoot"/>
+      </p:par>
+    </p:tnLst>
+  </p:timing>
 </p:sld>
 </file>
 
@@ -7039,6 +7130,13 @@
   <p:clrMapOvr>
     <a:masterClrMapping/>
   </p:clrMapOvr>
+  <p:timing>
+    <p:tnLst>
+      <p:par>
+        <p:cTn xmlns:p14="http://schemas.microsoft.com/office/powerpoint/2010/main" id="1" dur="indefinite" restart="never" nodeType="tmRoot"/>
+      </p:par>
+    </p:tnLst>
+  </p:timing>
 </p:sld>
 </file>
 
@@ -7899,6 +7997,13 @@
   <p:clrMapOvr>
     <a:masterClrMapping/>
   </p:clrMapOvr>
+  <p:timing>
+    <p:tnLst>
+      <p:par>
+        <p:cTn xmlns:p14="http://schemas.microsoft.com/office/powerpoint/2010/main" id="1" dur="indefinite" restart="never" nodeType="tmRoot"/>
+      </p:par>
+    </p:tnLst>
+  </p:timing>
 </p:sld>
 </file>
 
@@ -8308,6 +8413,13 @@
   <p:clrMapOvr>
     <a:masterClrMapping/>
   </p:clrMapOvr>
+  <p:timing>
+    <p:tnLst>
+      <p:par>
+        <p:cTn xmlns:p14="http://schemas.microsoft.com/office/powerpoint/2010/main" id="1" dur="indefinite" restart="never" nodeType="tmRoot"/>
+      </p:par>
+    </p:tnLst>
+  </p:timing>
 </p:sld>
 </file>
 
